--- a/Applied Cognitive Diagnostics/Curso Breve - FRP/Mis presentaciones/CB_Modulo-1 - Norma NOM-035.pptx
+++ b/Applied Cognitive Diagnostics/Curso Breve - FRP/Mis presentaciones/CB_Modulo-1 - Norma NOM-035.pptx
@@ -5,7 +5,7 @@
     <p:sldMasterId id="2147483648" r:id="rId1"/>
   </p:sldMasterIdLst>
   <p:notesMasterIdLst>
-    <p:notesMasterId r:id="rId68"/>
+    <p:notesMasterId r:id="rId61"/>
   </p:notesMasterIdLst>
   <p:sldIdLst>
     <p:sldId id="256" r:id="rId2"/>
@@ -66,14 +66,7 @@
     <p:sldId id="394" r:id="rId57"/>
     <p:sldId id="393" r:id="rId58"/>
     <p:sldId id="392" r:id="rId59"/>
-    <p:sldId id="373" r:id="rId60"/>
-    <p:sldId id="374" r:id="rId61"/>
-    <p:sldId id="322" r:id="rId62"/>
-    <p:sldId id="372" r:id="rId63"/>
-    <p:sldId id="377" r:id="rId64"/>
-    <p:sldId id="376" r:id="rId65"/>
-    <p:sldId id="375" r:id="rId66"/>
-    <p:sldId id="258" r:id="rId67"/>
+    <p:sldId id="258" r:id="rId60"/>
   </p:sldIdLst>
   <p:sldSz cx="9144000" cy="5143500" type="screen16x9"/>
   <p:notesSz cx="6858000" cy="9144000"/>
@@ -273,7 +266,7 @@
           <a:p>
             <a:fld id="{6392EFD8-C68D-4C01-962B-D81BEE90D5DA}" type="datetimeFigureOut">
               <a:rPr lang="es-MX" smtClean="0"/>
-              <a:t>09/09/2019</a:t>
+              <a:t>24/09/2019</a:t>
             </a:fld>
             <a:endParaRPr lang="es-MX"/>
           </a:p>
@@ -921,7 +914,7 @@
           <a:p>
             <a:fld id="{B84F09BF-D7C3-41CB-A1B7-67487A411715}" type="datetimeFigureOut">
               <a:rPr lang="es-ES" smtClean="0"/>
-              <a:t>09/09/2019</a:t>
+              <a:t>24/09/2019</a:t>
             </a:fld>
             <a:endParaRPr lang="es-ES"/>
           </a:p>
@@ -1091,7 +1084,7 @@
           <a:p>
             <a:fld id="{B84F09BF-D7C3-41CB-A1B7-67487A411715}" type="datetimeFigureOut">
               <a:rPr lang="es-ES" smtClean="0"/>
-              <a:t>09/09/2019</a:t>
+              <a:t>24/09/2019</a:t>
             </a:fld>
             <a:endParaRPr lang="es-ES"/>
           </a:p>
@@ -1271,7 +1264,7 @@
           <a:p>
             <a:fld id="{B84F09BF-D7C3-41CB-A1B7-67487A411715}" type="datetimeFigureOut">
               <a:rPr lang="es-ES" smtClean="0"/>
-              <a:t>09/09/2019</a:t>
+              <a:t>24/09/2019</a:t>
             </a:fld>
             <a:endParaRPr lang="es-ES"/>
           </a:p>
@@ -1441,7 +1434,7 @@
           <a:p>
             <a:fld id="{B84F09BF-D7C3-41CB-A1B7-67487A411715}" type="datetimeFigureOut">
               <a:rPr lang="es-ES" smtClean="0"/>
-              <a:t>09/09/2019</a:t>
+              <a:t>24/09/2019</a:t>
             </a:fld>
             <a:endParaRPr lang="es-ES"/>
           </a:p>
@@ -1687,7 +1680,7 @@
           <a:p>
             <a:fld id="{B84F09BF-D7C3-41CB-A1B7-67487A411715}" type="datetimeFigureOut">
               <a:rPr lang="es-ES" smtClean="0"/>
-              <a:t>09/09/2019</a:t>
+              <a:t>24/09/2019</a:t>
             </a:fld>
             <a:endParaRPr lang="es-ES"/>
           </a:p>
@@ -1975,7 +1968,7 @@
           <a:p>
             <a:fld id="{B84F09BF-D7C3-41CB-A1B7-67487A411715}" type="datetimeFigureOut">
               <a:rPr lang="es-ES" smtClean="0"/>
-              <a:t>09/09/2019</a:t>
+              <a:t>24/09/2019</a:t>
             </a:fld>
             <a:endParaRPr lang="es-ES"/>
           </a:p>
@@ -2402,7 +2395,7 @@
           <a:p>
             <a:fld id="{B84F09BF-D7C3-41CB-A1B7-67487A411715}" type="datetimeFigureOut">
               <a:rPr lang="es-ES" smtClean="0"/>
-              <a:t>09/09/2019</a:t>
+              <a:t>24/09/2019</a:t>
             </a:fld>
             <a:endParaRPr lang="es-ES"/>
           </a:p>
@@ -2520,7 +2513,7 @@
           <a:p>
             <a:fld id="{B84F09BF-D7C3-41CB-A1B7-67487A411715}" type="datetimeFigureOut">
               <a:rPr lang="es-ES" smtClean="0"/>
-              <a:t>09/09/2019</a:t>
+              <a:t>24/09/2019</a:t>
             </a:fld>
             <a:endParaRPr lang="es-ES"/>
           </a:p>
@@ -2615,7 +2608,7 @@
           <a:p>
             <a:fld id="{B84F09BF-D7C3-41CB-A1B7-67487A411715}" type="datetimeFigureOut">
               <a:rPr lang="es-ES" smtClean="0"/>
-              <a:t>09/09/2019</a:t>
+              <a:t>24/09/2019</a:t>
             </a:fld>
             <a:endParaRPr lang="es-ES"/>
           </a:p>
@@ -2892,7 +2885,7 @@
           <a:p>
             <a:fld id="{B84F09BF-D7C3-41CB-A1B7-67487A411715}" type="datetimeFigureOut">
               <a:rPr lang="es-ES" smtClean="0"/>
-              <a:t>09/09/2019</a:t>
+              <a:t>24/09/2019</a:t>
             </a:fld>
             <a:endParaRPr lang="es-ES"/>
           </a:p>
@@ -3145,7 +3138,7 @@
           <a:p>
             <a:fld id="{B84F09BF-D7C3-41CB-A1B7-67487A411715}" type="datetimeFigureOut">
               <a:rPr lang="es-ES" smtClean="0"/>
-              <a:t>09/09/2019</a:t>
+              <a:t>24/09/2019</a:t>
             </a:fld>
             <a:endParaRPr lang="es-ES"/>
           </a:p>
@@ -3358,7 +3351,7 @@
           <a:p>
             <a:fld id="{B84F09BF-D7C3-41CB-A1B7-67487A411715}" type="datetimeFigureOut">
               <a:rPr lang="es-ES" smtClean="0"/>
-              <a:t>09/09/2019</a:t>
+              <a:t>24/09/2019</a:t>
             </a:fld>
             <a:endParaRPr lang="es-ES"/>
           </a:p>
@@ -4451,7 +4444,7 @@
               <a:hlinkClick r:id="rId3">
                 <a:extLst>
                   <a:ext uri="{A12FA001-AC4F-418D-AE19-62706E023703}">
-                    <ahyp:hlinkClr xmlns="" xmlns:ahyp="http://schemas.microsoft.com/office/drawing/2018/hyperlinkcolor" xmlns:lc="http://schemas.openxmlformats.org/drawingml/2006/lockedCanvas" val="tx"/>
+                    <ahyp:hlinkClr xmlns:lc="http://schemas.openxmlformats.org/drawingml/2006/lockedCanvas" xmlns:ahyp="http://schemas.microsoft.com/office/drawing/2018/hyperlinkcolor" xmlns="" val="tx"/>
                   </a:ext>
                 </a:extLst>
               </a:hlinkClick>
@@ -8559,7 +8552,7 @@
               <a:hlinkClick r:id="rId3">
                 <a:extLst>
                   <a:ext uri="{A12FA001-AC4F-418D-AE19-62706E023703}">
-                    <ahyp:hlinkClr xmlns="" xmlns:ahyp="http://schemas.microsoft.com/office/drawing/2018/hyperlinkcolor" xmlns:lc="http://schemas.openxmlformats.org/drawingml/2006/lockedCanvas" val="tx"/>
+                    <ahyp:hlinkClr xmlns:lc="http://schemas.openxmlformats.org/drawingml/2006/lockedCanvas" xmlns:ahyp="http://schemas.microsoft.com/office/drawing/2018/hyperlinkcolor" xmlns="" val="tx"/>
                   </a:ext>
                 </a:extLst>
               </a:hlinkClick>
@@ -10843,7 +10836,7 @@
               <a:hlinkClick r:id="rId2">
                 <a:extLst>
                   <a:ext uri="{A12FA001-AC4F-418D-AE19-62706E023703}">
-                    <ahyp:hlinkClr xmlns="" xmlns:ahyp="http://schemas.microsoft.com/office/drawing/2018/hyperlinkcolor" xmlns:lc="http://schemas.openxmlformats.org/drawingml/2006/lockedCanvas" val="tx"/>
+                    <ahyp:hlinkClr xmlns:lc="http://schemas.openxmlformats.org/drawingml/2006/lockedCanvas" xmlns:ahyp="http://schemas.microsoft.com/office/drawing/2018/hyperlinkcolor" xmlns="" val="tx"/>
                   </a:ext>
                 </a:extLst>
               </a:hlinkClick>
@@ -13575,7 +13568,7 @@
               <a:hlinkClick r:id="rId3">
                 <a:extLst>
                   <a:ext uri="{A12FA001-AC4F-418D-AE19-62706E023703}">
-                    <ahyp:hlinkClr xmlns="" xmlns:ahyp="http://schemas.microsoft.com/office/drawing/2018/hyperlinkcolor" xmlns:lc="http://schemas.openxmlformats.org/drawingml/2006/lockedCanvas" val="tx"/>
+                    <ahyp:hlinkClr xmlns:lc="http://schemas.openxmlformats.org/drawingml/2006/lockedCanvas" xmlns:ahyp="http://schemas.microsoft.com/office/drawing/2018/hyperlinkcolor" xmlns="" val="tx"/>
                   </a:ext>
                 </a:extLst>
               </a:hlinkClick>
@@ -13783,7 +13776,7 @@
               <a:hlinkClick r:id="rId2">
                 <a:extLst>
                   <a:ext uri="{A12FA001-AC4F-418D-AE19-62706E023703}">
-                    <ahyp:hlinkClr xmlns:ahyp="http://schemas.microsoft.com/office/drawing/2018/hyperlinkcolor" xmlns="" xmlns:lc="http://schemas.openxmlformats.org/drawingml/2006/lockedCanvas" val="tx"/>
+                    <ahyp:hlinkClr xmlns:lc="http://schemas.openxmlformats.org/drawingml/2006/lockedCanvas" xmlns="" xmlns:ahyp="http://schemas.microsoft.com/office/drawing/2018/hyperlinkcolor" val="tx"/>
                   </a:ext>
                 </a:extLst>
               </a:hlinkClick>
@@ -14233,7 +14226,7 @@
               <a:hlinkClick r:id="rId3">
                 <a:extLst>
                   <a:ext uri="{A12FA001-AC4F-418D-AE19-62706E023703}">
-                    <ahyp:hlinkClr xmlns="" xmlns:ahyp="http://schemas.microsoft.com/office/drawing/2018/hyperlinkcolor" xmlns:lc="http://schemas.openxmlformats.org/drawingml/2006/lockedCanvas" val="tx"/>
+                    <ahyp:hlinkClr xmlns:lc="http://schemas.openxmlformats.org/drawingml/2006/lockedCanvas" xmlns:ahyp="http://schemas.microsoft.com/office/drawing/2018/hyperlinkcolor" xmlns="" val="tx"/>
                   </a:ext>
                 </a:extLst>
               </a:hlinkClick>
@@ -14682,7 +14675,7 @@
               <a:hlinkClick r:id="rId3">
                 <a:extLst>
                   <a:ext uri="{A12FA001-AC4F-418D-AE19-62706E023703}">
-                    <ahyp:hlinkClr xmlns="" xmlns:ahyp="http://schemas.microsoft.com/office/drawing/2018/hyperlinkcolor" xmlns:lc="http://schemas.openxmlformats.org/drawingml/2006/lockedCanvas" val="tx"/>
+                    <ahyp:hlinkClr xmlns:lc="http://schemas.openxmlformats.org/drawingml/2006/lockedCanvas" xmlns:ahyp="http://schemas.microsoft.com/office/drawing/2018/hyperlinkcolor" xmlns="" val="tx"/>
                   </a:ext>
                 </a:extLst>
               </a:hlinkClick>
@@ -15494,7 +15487,7 @@
               <a:hlinkClick r:id="rId3">
                 <a:extLst>
                   <a:ext uri="{A12FA001-AC4F-418D-AE19-62706E023703}">
-                    <ahyp:hlinkClr xmlns="" xmlns:ahyp="http://schemas.microsoft.com/office/drawing/2018/hyperlinkcolor" xmlns:lc="http://schemas.openxmlformats.org/drawingml/2006/lockedCanvas" val="tx"/>
+                    <ahyp:hlinkClr xmlns:lc="http://schemas.openxmlformats.org/drawingml/2006/lockedCanvas" xmlns:ahyp="http://schemas.microsoft.com/office/drawing/2018/hyperlinkcolor" xmlns="" val="tx"/>
                   </a:ext>
                 </a:extLst>
               </a:hlinkClick>
@@ -15970,7 +15963,7 @@
               <a:hlinkClick r:id="rId3">
                 <a:extLst>
                   <a:ext uri="{A12FA001-AC4F-418D-AE19-62706E023703}">
-                    <ahyp:hlinkClr xmlns="" xmlns:ahyp="http://schemas.microsoft.com/office/drawing/2018/hyperlinkcolor" xmlns:lc="http://schemas.openxmlformats.org/drawingml/2006/lockedCanvas" val="tx"/>
+                    <ahyp:hlinkClr xmlns:lc="http://schemas.openxmlformats.org/drawingml/2006/lockedCanvas" xmlns:ahyp="http://schemas.microsoft.com/office/drawing/2018/hyperlinkcolor" xmlns="" val="tx"/>
                   </a:ext>
                 </a:extLst>
               </a:hlinkClick>
@@ -16401,7 +16394,7 @@
               <a:hlinkClick r:id="rId3">
                 <a:extLst>
                   <a:ext uri="{A12FA001-AC4F-418D-AE19-62706E023703}">
-                    <ahyp:hlinkClr xmlns="" xmlns:ahyp="http://schemas.microsoft.com/office/drawing/2018/hyperlinkcolor" xmlns:lc="http://schemas.openxmlformats.org/drawingml/2006/lockedCanvas" val="tx"/>
+                    <ahyp:hlinkClr xmlns:lc="http://schemas.openxmlformats.org/drawingml/2006/lockedCanvas" xmlns:ahyp="http://schemas.microsoft.com/office/drawing/2018/hyperlinkcolor" xmlns="" val="tx"/>
                   </a:ext>
                 </a:extLst>
               </a:hlinkClick>
@@ -16869,7 +16862,7 @@
               <a:hlinkClick r:id="rId3">
                 <a:extLst>
                   <a:ext uri="{A12FA001-AC4F-418D-AE19-62706E023703}">
-                    <ahyp:hlinkClr xmlns="" xmlns:ahyp="http://schemas.microsoft.com/office/drawing/2018/hyperlinkcolor" xmlns:lc="http://schemas.openxmlformats.org/drawingml/2006/lockedCanvas" val="tx"/>
+                    <ahyp:hlinkClr xmlns:lc="http://schemas.openxmlformats.org/drawingml/2006/lockedCanvas" xmlns:ahyp="http://schemas.microsoft.com/office/drawing/2018/hyperlinkcolor" xmlns="" val="tx"/>
                   </a:ext>
                 </a:extLst>
               </a:hlinkClick>
@@ -17471,7 +17464,7 @@
               <a:hlinkClick r:id="rId3">
                 <a:extLst>
                   <a:ext uri="{A12FA001-AC4F-418D-AE19-62706E023703}">
-                    <ahyp:hlinkClr xmlns="" xmlns:ahyp="http://schemas.microsoft.com/office/drawing/2018/hyperlinkcolor" xmlns:lc="http://schemas.openxmlformats.org/drawingml/2006/lockedCanvas" val="tx"/>
+                    <ahyp:hlinkClr xmlns:lc="http://schemas.openxmlformats.org/drawingml/2006/lockedCanvas" xmlns:ahyp="http://schemas.microsoft.com/office/drawing/2018/hyperlinkcolor" xmlns="" val="tx"/>
                   </a:ext>
                 </a:extLst>
               </a:hlinkClick>
@@ -18135,7 +18128,7 @@
               <a:hlinkClick r:id="rId3">
                 <a:extLst>
                   <a:ext uri="{A12FA001-AC4F-418D-AE19-62706E023703}">
-                    <ahyp:hlinkClr xmlns="" xmlns:ahyp="http://schemas.microsoft.com/office/drawing/2018/hyperlinkcolor" xmlns:lc="http://schemas.openxmlformats.org/drawingml/2006/lockedCanvas" val="tx"/>
+                    <ahyp:hlinkClr xmlns:lc="http://schemas.openxmlformats.org/drawingml/2006/lockedCanvas" xmlns:ahyp="http://schemas.microsoft.com/office/drawing/2018/hyperlinkcolor" xmlns="" val="tx"/>
                   </a:ext>
                 </a:extLst>
               </a:hlinkClick>
@@ -18604,7 +18597,7 @@
               <a:hlinkClick r:id="rId3">
                 <a:extLst>
                   <a:ext uri="{A12FA001-AC4F-418D-AE19-62706E023703}">
-                    <ahyp:hlinkClr xmlns="" xmlns:ahyp="http://schemas.microsoft.com/office/drawing/2018/hyperlinkcolor" xmlns:lc="http://schemas.openxmlformats.org/drawingml/2006/lockedCanvas" val="tx"/>
+                    <ahyp:hlinkClr xmlns:lc="http://schemas.openxmlformats.org/drawingml/2006/lockedCanvas" xmlns:ahyp="http://schemas.microsoft.com/office/drawing/2018/hyperlinkcolor" xmlns="" val="tx"/>
                   </a:ext>
                 </a:extLst>
               </a:hlinkClick>
@@ -18772,7 +18765,7 @@
               <a:hlinkClick r:id="rId3">
                 <a:extLst>
                   <a:ext uri="{A12FA001-AC4F-418D-AE19-62706E023703}">
-                    <ahyp:hlinkClr xmlns="" xmlns:ahyp="http://schemas.microsoft.com/office/drawing/2018/hyperlinkcolor" xmlns:lc="http://schemas.openxmlformats.org/drawingml/2006/lockedCanvas" val="tx"/>
+                    <ahyp:hlinkClr xmlns:lc="http://schemas.openxmlformats.org/drawingml/2006/lockedCanvas" xmlns:ahyp="http://schemas.microsoft.com/office/drawing/2018/hyperlinkcolor" xmlns="" val="tx"/>
                   </a:ext>
                 </a:extLst>
               </a:hlinkClick>
@@ -19463,7 +19456,7 @@
               <a:hlinkClick r:id="rId3">
                 <a:extLst>
                   <a:ext uri="{A12FA001-AC4F-418D-AE19-62706E023703}">
-                    <ahyp:hlinkClr xmlns="" xmlns:ahyp="http://schemas.microsoft.com/office/drawing/2018/hyperlinkcolor" xmlns:lc="http://schemas.openxmlformats.org/drawingml/2006/lockedCanvas" val="tx"/>
+                    <ahyp:hlinkClr xmlns:lc="http://schemas.openxmlformats.org/drawingml/2006/lockedCanvas" xmlns:ahyp="http://schemas.microsoft.com/office/drawing/2018/hyperlinkcolor" xmlns="" val="tx"/>
                   </a:ext>
                 </a:extLst>
               </a:hlinkClick>
@@ -19646,7 +19639,7 @@
               <a:hlinkClick r:id="rId3">
                 <a:extLst>
                   <a:ext uri="{A12FA001-AC4F-418D-AE19-62706E023703}">
-                    <ahyp:hlinkClr xmlns="" xmlns:ahyp="http://schemas.microsoft.com/office/drawing/2018/hyperlinkcolor" xmlns:lc="http://schemas.openxmlformats.org/drawingml/2006/lockedCanvas" val="tx"/>
+                    <ahyp:hlinkClr xmlns:lc="http://schemas.openxmlformats.org/drawingml/2006/lockedCanvas" xmlns:ahyp="http://schemas.microsoft.com/office/drawing/2018/hyperlinkcolor" xmlns="" val="tx"/>
                   </a:ext>
                 </a:extLst>
               </a:hlinkClick>
@@ -20183,7 +20176,7 @@
               <a:hlinkClick r:id="rId3">
                 <a:extLst>
                   <a:ext uri="{A12FA001-AC4F-418D-AE19-62706E023703}">
-                    <ahyp:hlinkClr xmlns="" xmlns:ahyp="http://schemas.microsoft.com/office/drawing/2018/hyperlinkcolor" xmlns:lc="http://schemas.openxmlformats.org/drawingml/2006/lockedCanvas" val="tx"/>
+                    <ahyp:hlinkClr xmlns:lc="http://schemas.openxmlformats.org/drawingml/2006/lockedCanvas" xmlns:ahyp="http://schemas.microsoft.com/office/drawing/2018/hyperlinkcolor" xmlns="" val="tx"/>
                   </a:ext>
                 </a:extLst>
               </a:hlinkClick>
@@ -20669,7 +20662,7 @@
               <a:hlinkClick r:id="rId3">
                 <a:extLst>
                   <a:ext uri="{A12FA001-AC4F-418D-AE19-62706E023703}">
-                    <ahyp:hlinkClr xmlns="" xmlns:ahyp="http://schemas.microsoft.com/office/drawing/2018/hyperlinkcolor" xmlns:lc="http://schemas.openxmlformats.org/drawingml/2006/lockedCanvas" val="tx"/>
+                    <ahyp:hlinkClr xmlns:lc="http://schemas.openxmlformats.org/drawingml/2006/lockedCanvas" xmlns:ahyp="http://schemas.microsoft.com/office/drawing/2018/hyperlinkcolor" xmlns="" val="tx"/>
                   </a:ext>
                 </a:extLst>
               </a:hlinkClick>
@@ -21123,7 +21116,7 @@
               <a:hlinkClick r:id="rId3">
                 <a:extLst>
                   <a:ext uri="{A12FA001-AC4F-418D-AE19-62706E023703}">
-                    <ahyp:hlinkClr xmlns="" xmlns:ahyp="http://schemas.microsoft.com/office/drawing/2018/hyperlinkcolor" xmlns:lc="http://schemas.openxmlformats.org/drawingml/2006/lockedCanvas" val="tx"/>
+                    <ahyp:hlinkClr xmlns:lc="http://schemas.openxmlformats.org/drawingml/2006/lockedCanvas" xmlns:ahyp="http://schemas.microsoft.com/office/drawing/2018/hyperlinkcolor" xmlns="" val="tx"/>
                   </a:ext>
                 </a:extLst>
               </a:hlinkClick>
@@ -21571,7 +21564,7 @@
               <a:hlinkClick r:id="rId3">
                 <a:extLst>
                   <a:ext uri="{A12FA001-AC4F-418D-AE19-62706E023703}">
-                    <ahyp:hlinkClr xmlns="" xmlns:ahyp="http://schemas.microsoft.com/office/drawing/2018/hyperlinkcolor" xmlns:lc="http://schemas.openxmlformats.org/drawingml/2006/lockedCanvas" val="tx"/>
+                    <ahyp:hlinkClr xmlns:lc="http://schemas.openxmlformats.org/drawingml/2006/lockedCanvas" xmlns:ahyp="http://schemas.microsoft.com/office/drawing/2018/hyperlinkcolor" xmlns="" val="tx"/>
                   </a:ext>
                 </a:extLst>
               </a:hlinkClick>
@@ -22015,7 +22008,7 @@
               <a:hlinkClick r:id="rId3">
                 <a:extLst>
                   <a:ext uri="{A12FA001-AC4F-418D-AE19-62706E023703}">
-                    <ahyp:hlinkClr xmlns="" xmlns:ahyp="http://schemas.microsoft.com/office/drawing/2018/hyperlinkcolor" xmlns:lc="http://schemas.openxmlformats.org/drawingml/2006/lockedCanvas" val="tx"/>
+                    <ahyp:hlinkClr xmlns:lc="http://schemas.openxmlformats.org/drawingml/2006/lockedCanvas" xmlns:ahyp="http://schemas.microsoft.com/office/drawing/2018/hyperlinkcolor" xmlns="" val="tx"/>
                   </a:ext>
                 </a:extLst>
               </a:hlinkClick>
@@ -22451,7 +22444,7 @@
               <a:hlinkClick r:id="rId3">
                 <a:extLst>
                   <a:ext uri="{A12FA001-AC4F-418D-AE19-62706E023703}">
-                    <ahyp:hlinkClr xmlns="" xmlns:ahyp="http://schemas.microsoft.com/office/drawing/2018/hyperlinkcolor" xmlns:lc="http://schemas.openxmlformats.org/drawingml/2006/lockedCanvas" val="tx"/>
+                    <ahyp:hlinkClr xmlns:lc="http://schemas.openxmlformats.org/drawingml/2006/lockedCanvas" xmlns:ahyp="http://schemas.microsoft.com/office/drawing/2018/hyperlinkcolor" xmlns="" val="tx"/>
                   </a:ext>
                 </a:extLst>
               </a:hlinkClick>
@@ -22887,7 +22880,7 @@
               <a:hlinkClick r:id="rId3">
                 <a:extLst>
                   <a:ext uri="{A12FA001-AC4F-418D-AE19-62706E023703}">
-                    <ahyp:hlinkClr xmlns="" xmlns:ahyp="http://schemas.microsoft.com/office/drawing/2018/hyperlinkcolor" xmlns:lc="http://schemas.openxmlformats.org/drawingml/2006/lockedCanvas" val="tx"/>
+                    <ahyp:hlinkClr xmlns:lc="http://schemas.openxmlformats.org/drawingml/2006/lockedCanvas" xmlns:ahyp="http://schemas.microsoft.com/office/drawing/2018/hyperlinkcolor" xmlns="" val="tx"/>
                   </a:ext>
                 </a:extLst>
               </a:hlinkClick>
@@ -23319,7 +23312,7 @@
               <a:hlinkClick r:id="rId3">
                 <a:extLst>
                   <a:ext uri="{A12FA001-AC4F-418D-AE19-62706E023703}">
-                    <ahyp:hlinkClr xmlns="" xmlns:ahyp="http://schemas.microsoft.com/office/drawing/2018/hyperlinkcolor" xmlns:lc="http://schemas.openxmlformats.org/drawingml/2006/lockedCanvas" val="tx"/>
+                    <ahyp:hlinkClr xmlns:lc="http://schemas.openxmlformats.org/drawingml/2006/lockedCanvas" xmlns:ahyp="http://schemas.microsoft.com/office/drawing/2018/hyperlinkcolor" xmlns="" val="tx"/>
                   </a:ext>
                 </a:extLst>
               </a:hlinkClick>
@@ -23683,462 +23676,10 @@
           <a:chExt cx="0" cy="0"/>
         </a:xfrm>
       </p:grpSpPr>
-      <p:sp>
-        <p:nvSpPr>
-          <p:cNvPr id="4" name="Marcador de contenido 2"/>
-          <p:cNvSpPr>
-            <a:spLocks noGrp="1"/>
-          </p:cNvSpPr>
-          <p:nvPr>
-            <p:ph idx="1"/>
-          </p:nvPr>
-        </p:nvSpPr>
-        <p:spPr>
-          <a:xfrm>
-            <a:off x="457200" y="2343150"/>
-            <a:ext cx="8229600" cy="2632472"/>
-          </a:xfrm>
-        </p:spPr>
-        <p:txBody>
-          <a:bodyPr>
-            <a:normAutofit/>
-          </a:bodyPr>
-          <a:lstStyle/>
-          <a:p>
-            <a:pPr marL="19050" lvl="0" indent="0" algn="just">
-              <a:buNone/>
-            </a:pPr>
-            <a:endParaRPr lang="es-ES" dirty="0">
-              <a:solidFill>
-                <a:schemeClr val="accent2">
-                  <a:lumMod val="50000"/>
-                </a:schemeClr>
-              </a:solidFill>
-            </a:endParaRPr>
-          </a:p>
-          <a:p>
-            <a:pPr marL="19050" lvl="0" indent="0" algn="just">
-              <a:buNone/>
-            </a:pPr>
-            <a:r>
-              <a:rPr lang="es-ES" dirty="0" smtClean="0">
-                <a:solidFill>
-                  <a:schemeClr val="bg1"/>
-                </a:solidFill>
-              </a:rPr>
-              <a:t>En la </a:t>
-            </a:r>
-            <a:r>
-              <a:rPr lang="en" b="1" i="1" dirty="0" smtClean="0">
-                <a:solidFill>
-                  <a:schemeClr val="bg1"/>
-                </a:solidFill>
-              </a:rPr>
-              <a:t>NOM-035-STPS-2018</a:t>
-            </a:r>
-            <a:r>
-              <a:rPr lang="es-ES" dirty="0" smtClean="0">
-                <a:solidFill>
-                  <a:schemeClr val="bg1"/>
-                </a:solidFill>
-              </a:rPr>
-              <a:t> se vierten algunas sugerencias sobre la identificación y el tratamiento de los FRP en vías de promover un entorno laboral favorable.</a:t>
-            </a:r>
-            <a:endParaRPr lang="es-ES" sz="2400" dirty="0" smtClean="0">
-              <a:solidFill>
-                <a:schemeClr val="bg1"/>
-              </a:solidFill>
-              <a:hlinkClick r:id="rId3">
-                <a:extLst>
-                  <a:ext uri="{A12FA001-AC4F-418D-AE19-62706E023703}">
-                    <ahyp:hlinkClr xmlns="" xmlns:ahyp="http://schemas.microsoft.com/office/drawing/2018/hyperlinkcolor" xmlns:lc="http://schemas.openxmlformats.org/drawingml/2006/lockedCanvas" val="tx"/>
-                  </a:ext>
-                </a:extLst>
-              </a:hlinkClick>
-            </a:endParaRPr>
-          </a:p>
-          <a:p>
-            <a:pPr marL="0" indent="0">
-              <a:buNone/>
-            </a:pPr>
-            <a:endParaRPr lang="es-MX" dirty="0"/>
-          </a:p>
-        </p:txBody>
-      </p:sp>
-      <p:sp>
-        <p:nvSpPr>
-          <p:cNvPr id="3" name="Título 2"/>
-          <p:cNvSpPr>
-            <a:spLocks noGrp="1"/>
-          </p:cNvSpPr>
-          <p:nvPr>
-            <p:ph type="title"/>
-          </p:nvPr>
-        </p:nvSpPr>
-        <p:spPr/>
-        <p:txBody>
-          <a:bodyPr>
-            <a:normAutofit fontScale="90000"/>
-          </a:bodyPr>
-          <a:lstStyle/>
-          <a:p>
-            <a:r>
-              <a:rPr lang="es-MX" dirty="0" smtClean="0"/>
-              <a:t/>
-            </a:r>
-            <a:br>
-              <a:rPr lang="es-MX" dirty="0" smtClean="0"/>
-            </a:br>
-            <a:endParaRPr lang="es-MX" dirty="0"/>
-          </a:p>
-        </p:txBody>
-      </p:sp>
-      <p:sp>
-        <p:nvSpPr>
-          <p:cNvPr id="5" name="Título 1"/>
-          <p:cNvSpPr txBox="1">
-            <a:spLocks/>
-          </p:cNvSpPr>
-          <p:nvPr/>
-        </p:nvSpPr>
-        <p:spPr>
-          <a:xfrm>
-            <a:off x="457200" y="2381"/>
-            <a:ext cx="8229600" cy="857250"/>
-          </a:xfrm>
-          <a:prstGeom prst="rect">
-            <a:avLst/>
-          </a:prstGeom>
-        </p:spPr>
-        <p:txBody>
-          <a:bodyPr vert="horz" lIns="91440" tIns="45720" rIns="91440" bIns="45720" rtlCol="0" anchor="ctr">
-            <a:normAutofit/>
-          </a:bodyPr>
-          <a:lstStyle>
-            <a:lvl1pPr algn="ctr" defTabSz="914400" rtl="0" eaLnBrk="1" latinLnBrk="0" hangingPunct="1">
-              <a:spcBef>
-                <a:spcPct val="0"/>
-              </a:spcBef>
-              <a:buNone/>
-              <a:defRPr sz="4400" kern="1200">
-                <a:solidFill>
-                  <a:schemeClr val="tx1"/>
-                </a:solidFill>
-                <a:latin typeface="+mj-lt"/>
-                <a:ea typeface="+mj-ea"/>
-                <a:cs typeface="+mj-cs"/>
-              </a:defRPr>
-            </a:lvl1pPr>
-          </a:lstStyle>
-          <a:p>
-            <a:r>
-              <a:rPr lang="es-MX" smtClean="0"/>
-              <a:t>Planes de Atención</a:t>
-            </a:r>
-            <a:endParaRPr lang="es-MX" dirty="0"/>
-          </a:p>
-        </p:txBody>
-      </p:sp>
-      <p:sp>
-        <p:nvSpPr>
-          <p:cNvPr id="6" name="Marcador de contenido 2"/>
-          <p:cNvSpPr txBox="1">
-            <a:spLocks/>
-          </p:cNvSpPr>
-          <p:nvPr/>
-        </p:nvSpPr>
-        <p:spPr>
-          <a:xfrm>
-            <a:off x="457200" y="1200151"/>
-            <a:ext cx="8229600" cy="3394472"/>
-          </a:xfrm>
-          <a:prstGeom prst="rect">
-            <a:avLst/>
-          </a:prstGeom>
-        </p:spPr>
-        <p:txBody>
-          <a:bodyPr vert="horz" lIns="91440" tIns="45720" rIns="91440" bIns="45720" rtlCol="0">
-            <a:normAutofit fontScale="70000" lnSpcReduction="20000"/>
-          </a:bodyPr>
-          <a:lstStyle>
-            <a:lvl1pPr marL="342900" indent="-342900" algn="l" defTabSz="914400" rtl="0" eaLnBrk="1" latinLnBrk="0" hangingPunct="1">
-              <a:spcBef>
-                <a:spcPct val="20000"/>
-              </a:spcBef>
-              <a:buFont typeface="Arial" panose="020B0604020202020204" pitchFamily="34" charset="0"/>
-              <a:buChar char="•"/>
-              <a:defRPr sz="3200" kern="1200">
-                <a:solidFill>
-                  <a:schemeClr val="tx1"/>
-                </a:solidFill>
-                <a:latin typeface="+mn-lt"/>
-                <a:ea typeface="+mn-ea"/>
-                <a:cs typeface="+mn-cs"/>
-              </a:defRPr>
-            </a:lvl1pPr>
-            <a:lvl2pPr marL="742950" indent="-285750" algn="l" defTabSz="914400" rtl="0" eaLnBrk="1" latinLnBrk="0" hangingPunct="1">
-              <a:spcBef>
-                <a:spcPct val="20000"/>
-              </a:spcBef>
-              <a:buFont typeface="Arial" panose="020B0604020202020204" pitchFamily="34" charset="0"/>
-              <a:buChar char="–"/>
-              <a:defRPr sz="2800" kern="1200">
-                <a:solidFill>
-                  <a:schemeClr val="tx1"/>
-                </a:solidFill>
-                <a:latin typeface="+mn-lt"/>
-                <a:ea typeface="+mn-ea"/>
-                <a:cs typeface="+mn-cs"/>
-              </a:defRPr>
-            </a:lvl2pPr>
-            <a:lvl3pPr marL="1143000" indent="-228600" algn="l" defTabSz="914400" rtl="0" eaLnBrk="1" latinLnBrk="0" hangingPunct="1">
-              <a:spcBef>
-                <a:spcPct val="20000"/>
-              </a:spcBef>
-              <a:buFont typeface="Arial" panose="020B0604020202020204" pitchFamily="34" charset="0"/>
-              <a:buChar char="•"/>
-              <a:defRPr sz="2400" kern="1200">
-                <a:solidFill>
-                  <a:schemeClr val="tx1"/>
-                </a:solidFill>
-                <a:latin typeface="+mn-lt"/>
-                <a:ea typeface="+mn-ea"/>
-                <a:cs typeface="+mn-cs"/>
-              </a:defRPr>
-            </a:lvl3pPr>
-            <a:lvl4pPr marL="1600200" indent="-228600" algn="l" defTabSz="914400" rtl="0" eaLnBrk="1" latinLnBrk="0" hangingPunct="1">
-              <a:spcBef>
-                <a:spcPct val="20000"/>
-              </a:spcBef>
-              <a:buFont typeface="Arial" panose="020B0604020202020204" pitchFamily="34" charset="0"/>
-              <a:buChar char="–"/>
-              <a:defRPr sz="2000" kern="1200">
-                <a:solidFill>
-                  <a:schemeClr val="tx1"/>
-                </a:solidFill>
-                <a:latin typeface="+mn-lt"/>
-                <a:ea typeface="+mn-ea"/>
-                <a:cs typeface="+mn-cs"/>
-              </a:defRPr>
-            </a:lvl4pPr>
-            <a:lvl5pPr marL="2057400" indent="-228600" algn="l" defTabSz="914400" rtl="0" eaLnBrk="1" latinLnBrk="0" hangingPunct="1">
-              <a:spcBef>
-                <a:spcPct val="20000"/>
-              </a:spcBef>
-              <a:buFont typeface="Arial" panose="020B0604020202020204" pitchFamily="34" charset="0"/>
-              <a:buChar char="»"/>
-              <a:defRPr sz="2000" kern="1200">
-                <a:solidFill>
-                  <a:schemeClr val="tx1"/>
-                </a:solidFill>
-                <a:latin typeface="+mn-lt"/>
-                <a:ea typeface="+mn-ea"/>
-                <a:cs typeface="+mn-cs"/>
-              </a:defRPr>
-            </a:lvl5pPr>
-            <a:lvl6pPr marL="2514600" indent="-228600" algn="l" defTabSz="914400" rtl="0" eaLnBrk="1" latinLnBrk="0" hangingPunct="1">
-              <a:spcBef>
-                <a:spcPct val="20000"/>
-              </a:spcBef>
-              <a:buFont typeface="Arial" panose="020B0604020202020204" pitchFamily="34" charset="0"/>
-              <a:buChar char="•"/>
-              <a:defRPr sz="2000" kern="1200">
-                <a:solidFill>
-                  <a:schemeClr val="tx1"/>
-                </a:solidFill>
-                <a:latin typeface="+mn-lt"/>
-                <a:ea typeface="+mn-ea"/>
-                <a:cs typeface="+mn-cs"/>
-              </a:defRPr>
-            </a:lvl6pPr>
-            <a:lvl7pPr marL="2971800" indent="-228600" algn="l" defTabSz="914400" rtl="0" eaLnBrk="1" latinLnBrk="0" hangingPunct="1">
-              <a:spcBef>
-                <a:spcPct val="20000"/>
-              </a:spcBef>
-              <a:buFont typeface="Arial" panose="020B0604020202020204" pitchFamily="34" charset="0"/>
-              <a:buChar char="•"/>
-              <a:defRPr sz="2000" kern="1200">
-                <a:solidFill>
-                  <a:schemeClr val="tx1"/>
-                </a:solidFill>
-                <a:latin typeface="+mn-lt"/>
-                <a:ea typeface="+mn-ea"/>
-                <a:cs typeface="+mn-cs"/>
-              </a:defRPr>
-            </a:lvl7pPr>
-            <a:lvl8pPr marL="3429000" indent="-228600" algn="l" defTabSz="914400" rtl="0" eaLnBrk="1" latinLnBrk="0" hangingPunct="1">
-              <a:spcBef>
-                <a:spcPct val="20000"/>
-              </a:spcBef>
-              <a:buFont typeface="Arial" panose="020B0604020202020204" pitchFamily="34" charset="0"/>
-              <a:buChar char="•"/>
-              <a:defRPr sz="2000" kern="1200">
-                <a:solidFill>
-                  <a:schemeClr val="tx1"/>
-                </a:solidFill>
-                <a:latin typeface="+mn-lt"/>
-                <a:ea typeface="+mn-ea"/>
-                <a:cs typeface="+mn-cs"/>
-              </a:defRPr>
-            </a:lvl8pPr>
-            <a:lvl9pPr marL="3886200" indent="-228600" algn="l" defTabSz="914400" rtl="0" eaLnBrk="1" latinLnBrk="0" hangingPunct="1">
-              <a:spcBef>
-                <a:spcPct val="20000"/>
-              </a:spcBef>
-              <a:buFont typeface="Arial" panose="020B0604020202020204" pitchFamily="34" charset="0"/>
-              <a:buChar char="•"/>
-              <a:defRPr sz="2000" kern="1200">
-                <a:solidFill>
-                  <a:schemeClr val="tx1"/>
-                </a:solidFill>
-                <a:latin typeface="+mn-lt"/>
-                <a:ea typeface="+mn-ea"/>
-                <a:cs typeface="+mn-cs"/>
-              </a:defRPr>
-            </a:lvl9pPr>
-          </a:lstStyle>
-          <a:p>
-            <a:pPr marL="0" indent="0">
-              <a:buFont typeface="Arial" panose="020B0604020202020204" pitchFamily="34" charset="0"/>
-              <a:buNone/>
-            </a:pPr>
-            <a:r>
-              <a:rPr lang="es-MX" smtClean="0">
-                <a:solidFill>
-                  <a:schemeClr val="tx2">
-                    <a:lumMod val="50000"/>
-                  </a:schemeClr>
-                </a:solidFill>
-              </a:rPr>
-              <a:t>En caso de identificar la presencia de Factores de Riesgo Psicosocial, o bien, la necesidad de promover un entorno organizacional favorable, se debe desarrollar un Programa de atención que señale</a:t>
-            </a:r>
-            <a:r>
-              <a:rPr lang="es-MX" smtClean="0"/>
-              <a:t>:</a:t>
-            </a:r>
-          </a:p>
-          <a:p>
-            <a:pPr marL="0" indent="0">
-              <a:buFont typeface="Arial" panose="020B0604020202020204" pitchFamily="34" charset="0"/>
-              <a:buNone/>
-            </a:pPr>
-            <a:endParaRPr lang="es-MX" smtClean="0"/>
-          </a:p>
-          <a:p>
-            <a:pPr marL="0" indent="0">
-              <a:buFont typeface="Arial" panose="020B0604020202020204" pitchFamily="34" charset="0"/>
-              <a:buNone/>
-            </a:pPr>
-            <a:r>
-              <a:rPr lang="es-MX" sz="2600" smtClean="0"/>
-              <a:t>	a) Las </a:t>
-            </a:r>
-            <a:r>
-              <a:rPr lang="es-MX" sz="2600" b="1" smtClean="0"/>
-              <a:t>áreas de trabajo y/o los trabajadores </a:t>
-            </a:r>
-            <a:r>
-              <a:rPr lang="es-MX" sz="2600" smtClean="0"/>
-              <a:t>sujetos al programa</a:t>
-            </a:r>
-          </a:p>
-          <a:p>
-            <a:pPr marL="0" indent="0">
-              <a:buFont typeface="Arial" panose="020B0604020202020204" pitchFamily="34" charset="0"/>
-              <a:buNone/>
-            </a:pPr>
-            <a:r>
-              <a:rPr lang="es-MX" sz="2600" smtClean="0"/>
-              <a:t>	b) El </a:t>
-            </a:r>
-            <a:r>
-              <a:rPr lang="es-MX" sz="2600" b="1" smtClean="0"/>
-              <a:t>tipo de acciones y las medidas de control </a:t>
-            </a:r>
-            <a:r>
-              <a:rPr lang="es-MX" sz="2600" smtClean="0"/>
-              <a:t>que deberán adoptarse</a:t>
-            </a:r>
-          </a:p>
-          <a:p>
-            <a:pPr marL="0" indent="0">
-              <a:buFont typeface="Arial" panose="020B0604020202020204" pitchFamily="34" charset="0"/>
-              <a:buNone/>
-            </a:pPr>
-            <a:r>
-              <a:rPr lang="es-MX" sz="2600" smtClean="0"/>
-              <a:t>	c) Las </a:t>
-            </a:r>
-            <a:r>
-              <a:rPr lang="es-MX" sz="2600" b="1" smtClean="0"/>
-              <a:t>fechas programadas </a:t>
-            </a:r>
-            <a:r>
-              <a:rPr lang="es-MX" sz="2600" smtClean="0"/>
-              <a:t>para su realización</a:t>
-            </a:r>
-          </a:p>
-          <a:p>
-            <a:pPr marL="0" indent="0">
-              <a:buFont typeface="Arial" panose="020B0604020202020204" pitchFamily="34" charset="0"/>
-              <a:buNone/>
-            </a:pPr>
-            <a:r>
-              <a:rPr lang="es-MX" sz="2600" smtClean="0"/>
-              <a:t>	d) El </a:t>
-            </a:r>
-            <a:r>
-              <a:rPr lang="es-MX" sz="2600" b="1" smtClean="0"/>
-              <a:t>control de los avances </a:t>
-            </a:r>
-            <a:r>
-              <a:rPr lang="es-MX" sz="2600" smtClean="0"/>
-              <a:t>de la implementación del programa</a:t>
-            </a:r>
-          </a:p>
-          <a:p>
-            <a:pPr marL="0" indent="0">
-              <a:buFont typeface="Arial" panose="020B0604020202020204" pitchFamily="34" charset="0"/>
-              <a:buNone/>
-            </a:pPr>
-            <a:r>
-              <a:rPr lang="es-MX" sz="2600" smtClean="0"/>
-              <a:t>	e) La </a:t>
-            </a:r>
-            <a:r>
-              <a:rPr lang="es-MX" sz="2600" b="1" smtClean="0"/>
-              <a:t>evaluación posterior a la aplicación </a:t>
-            </a:r>
-            <a:r>
-              <a:rPr lang="es-MX" sz="2600" smtClean="0"/>
-              <a:t>de las medidas de control, en su 	caso.</a:t>
-            </a:r>
-          </a:p>
-          <a:p>
-            <a:pPr marL="0" indent="0">
-              <a:buFont typeface="Arial" panose="020B0604020202020204" pitchFamily="34" charset="0"/>
-              <a:buNone/>
-            </a:pPr>
-            <a:r>
-              <a:rPr lang="es-MX" sz="2600" smtClean="0"/>
-              <a:t>	f) El </a:t>
-            </a:r>
-            <a:r>
-              <a:rPr lang="es-MX" sz="2600" b="1" smtClean="0"/>
-              <a:t>responsable de su ejecución</a:t>
-            </a:r>
-            <a:r>
-              <a:rPr lang="es-MX" sz="2600" smtClean="0"/>
-              <a:t>.</a:t>
-            </a:r>
-            <a:endParaRPr lang="es-MX" sz="2600" dirty="0"/>
-          </a:p>
-        </p:txBody>
-      </p:sp>
     </p:spTree>
     <p:extLst>
       <p:ext uri="{BB962C8B-B14F-4D97-AF65-F5344CB8AC3E}">
-        <p14:creationId xmlns:p14="http://schemas.microsoft.com/office/powerpoint/2010/main" val="3045895855"/>
+        <p14:creationId xmlns:p14="http://schemas.microsoft.com/office/powerpoint/2010/main" val="1011474152"/>
       </p:ext>
     </p:extLst>
   </p:cSld>
@@ -24463,3999 +24004,6 @@
   <p:clrMapOvr>
     <a:masterClrMapping/>
   </p:clrMapOvr>
-</p:sld>
-</file>
-
-<file path=ppt/slides/slide60.xml><?xml version="1.0" encoding="utf-8"?>
-<p:sld xmlns:a="http://schemas.openxmlformats.org/drawingml/2006/main" xmlns:r="http://schemas.openxmlformats.org/officeDocument/2006/relationships" xmlns:p="http://schemas.openxmlformats.org/presentationml/2006/main">
-  <p:cSld>
-    <p:bg>
-      <p:bgPr>
-        <a:blipFill dpi="0" rotWithShape="1">
-          <a:blip r:embed="rId2">
-            <a:lum/>
-          </a:blip>
-          <a:srcRect/>
-          <a:stretch>
-            <a:fillRect/>
-          </a:stretch>
-        </a:blipFill>
-        <a:effectLst/>
-      </p:bgPr>
-    </p:bg>
-    <p:spTree>
-      <p:nvGrpSpPr>
-        <p:cNvPr id="1" name=""/>
-        <p:cNvGrpSpPr/>
-        <p:nvPr/>
-      </p:nvGrpSpPr>
-      <p:grpSpPr>
-        <a:xfrm>
-          <a:off x="0" y="0"/>
-          <a:ext cx="0" cy="0"/>
-          <a:chOff x="0" y="0"/>
-          <a:chExt cx="0" cy="0"/>
-        </a:xfrm>
-      </p:grpSpPr>
-      <p:sp>
-        <p:nvSpPr>
-          <p:cNvPr id="4" name="Marcador de contenido 2"/>
-          <p:cNvSpPr>
-            <a:spLocks noGrp="1"/>
-          </p:cNvSpPr>
-          <p:nvPr>
-            <p:ph idx="1"/>
-          </p:nvPr>
-        </p:nvSpPr>
-        <p:spPr>
-          <a:xfrm>
-            <a:off x="457200" y="2343150"/>
-            <a:ext cx="8229600" cy="2632472"/>
-          </a:xfrm>
-        </p:spPr>
-        <p:txBody>
-          <a:bodyPr>
-            <a:normAutofit/>
-          </a:bodyPr>
-          <a:lstStyle/>
-          <a:p>
-            <a:pPr marL="19050" lvl="0" indent="0" algn="just">
-              <a:buNone/>
-            </a:pPr>
-            <a:endParaRPr lang="es-ES" dirty="0">
-              <a:solidFill>
-                <a:schemeClr val="accent2">
-                  <a:lumMod val="50000"/>
-                </a:schemeClr>
-              </a:solidFill>
-            </a:endParaRPr>
-          </a:p>
-          <a:p>
-            <a:pPr marL="19050" lvl="0" indent="0" algn="just">
-              <a:buNone/>
-            </a:pPr>
-            <a:r>
-              <a:rPr lang="es-ES" dirty="0" smtClean="0">
-                <a:solidFill>
-                  <a:schemeClr val="bg1"/>
-                </a:solidFill>
-              </a:rPr>
-              <a:t>En la </a:t>
-            </a:r>
-            <a:r>
-              <a:rPr lang="en" b="1" i="1" dirty="0" smtClean="0">
-                <a:solidFill>
-                  <a:schemeClr val="bg1"/>
-                </a:solidFill>
-              </a:rPr>
-              <a:t>NOM-035-STPS-2018</a:t>
-            </a:r>
-            <a:r>
-              <a:rPr lang="es-ES" dirty="0" smtClean="0">
-                <a:solidFill>
-                  <a:schemeClr val="bg1"/>
-                </a:solidFill>
-              </a:rPr>
-              <a:t> se vierten algunas sugerencias sobre la identificación y el tratamiento de los FRP en vías de promover un entorno laboral favorable.</a:t>
-            </a:r>
-            <a:endParaRPr lang="es-ES" sz="2400" dirty="0" smtClean="0">
-              <a:solidFill>
-                <a:schemeClr val="bg1"/>
-              </a:solidFill>
-              <a:hlinkClick r:id="rId3">
-                <a:extLst>
-                  <a:ext uri="{A12FA001-AC4F-418D-AE19-62706E023703}">
-                    <ahyp:hlinkClr xmlns="" xmlns:ahyp="http://schemas.microsoft.com/office/drawing/2018/hyperlinkcolor" xmlns:lc="http://schemas.openxmlformats.org/drawingml/2006/lockedCanvas" val="tx"/>
-                  </a:ext>
-                </a:extLst>
-              </a:hlinkClick>
-            </a:endParaRPr>
-          </a:p>
-          <a:p>
-            <a:pPr marL="0" indent="0">
-              <a:buNone/>
-            </a:pPr>
-            <a:endParaRPr lang="es-MX" dirty="0"/>
-          </a:p>
-        </p:txBody>
-      </p:sp>
-      <p:sp>
-        <p:nvSpPr>
-          <p:cNvPr id="3" name="Título 2"/>
-          <p:cNvSpPr>
-            <a:spLocks noGrp="1"/>
-          </p:cNvSpPr>
-          <p:nvPr>
-            <p:ph type="title"/>
-          </p:nvPr>
-        </p:nvSpPr>
-        <p:spPr/>
-        <p:txBody>
-          <a:bodyPr>
-            <a:normAutofit fontScale="90000"/>
-          </a:bodyPr>
-          <a:lstStyle/>
-          <a:p>
-            <a:r>
-              <a:rPr lang="es-MX" dirty="0" smtClean="0"/>
-              <a:t/>
-            </a:r>
-            <a:br>
-              <a:rPr lang="es-MX" dirty="0" smtClean="0"/>
-            </a:br>
-            <a:endParaRPr lang="es-MX" dirty="0"/>
-          </a:p>
-        </p:txBody>
-      </p:sp>
-      <p:sp>
-        <p:nvSpPr>
-          <p:cNvPr id="5" name="Título 1"/>
-          <p:cNvSpPr txBox="1">
-            <a:spLocks/>
-          </p:cNvSpPr>
-          <p:nvPr/>
-        </p:nvSpPr>
-        <p:spPr>
-          <a:xfrm>
-            <a:off x="457200" y="-7144"/>
-            <a:ext cx="8229600" cy="857250"/>
-          </a:xfrm>
-          <a:prstGeom prst="rect">
-            <a:avLst/>
-          </a:prstGeom>
-        </p:spPr>
-        <p:txBody>
-          <a:bodyPr vert="horz" lIns="91440" tIns="45720" rIns="91440" bIns="45720" rtlCol="0" anchor="ctr">
-            <a:normAutofit/>
-          </a:bodyPr>
-          <a:lstStyle>
-            <a:lvl1pPr algn="ctr" defTabSz="914400" rtl="0" eaLnBrk="1" latinLnBrk="0" hangingPunct="1">
-              <a:spcBef>
-                <a:spcPct val="0"/>
-              </a:spcBef>
-              <a:buNone/>
-              <a:defRPr sz="4400" kern="1200">
-                <a:solidFill>
-                  <a:schemeClr val="tx1"/>
-                </a:solidFill>
-                <a:latin typeface="+mj-lt"/>
-                <a:ea typeface="+mj-ea"/>
-                <a:cs typeface="+mj-cs"/>
-              </a:defRPr>
-            </a:lvl1pPr>
-          </a:lstStyle>
-          <a:p>
-            <a:r>
-              <a:rPr lang="es-MX" smtClean="0"/>
-              <a:t>Niveles de aplicación</a:t>
-            </a:r>
-            <a:endParaRPr lang="es-MX" dirty="0"/>
-          </a:p>
-        </p:txBody>
-      </p:sp>
-      <p:sp>
-        <p:nvSpPr>
-          <p:cNvPr id="6" name="Rectángulo redondeado 5"/>
-          <p:cNvSpPr/>
-          <p:nvPr/>
-        </p:nvSpPr>
-        <p:spPr>
-          <a:xfrm>
-            <a:off x="200025" y="819150"/>
-            <a:ext cx="8686800" cy="1347787"/>
-          </a:xfrm>
-          <a:prstGeom prst="roundRect">
-            <a:avLst/>
-          </a:prstGeom>
-        </p:spPr>
-        <p:style>
-          <a:lnRef idx="2">
-            <a:schemeClr val="dk1">
-              <a:shade val="50000"/>
-            </a:schemeClr>
-          </a:lnRef>
-          <a:fillRef idx="1">
-            <a:schemeClr val="dk1"/>
-          </a:fillRef>
-          <a:effectRef idx="0">
-            <a:schemeClr val="dk1"/>
-          </a:effectRef>
-          <a:fontRef idx="minor">
-            <a:schemeClr val="lt1"/>
-          </a:fontRef>
-        </p:style>
-        <p:txBody>
-          <a:bodyPr rtlCol="0" anchor="ctr"/>
-          <a:lstStyle/>
-          <a:p>
-            <a:pPr algn="ctr"/>
-            <a:endParaRPr lang="es-MX"/>
-          </a:p>
-        </p:txBody>
-      </p:sp>
-      <p:sp>
-        <p:nvSpPr>
-          <p:cNvPr id="7" name="Rectángulo redondeado 6"/>
-          <p:cNvSpPr/>
-          <p:nvPr/>
-        </p:nvSpPr>
-        <p:spPr>
-          <a:xfrm>
-            <a:off x="200025" y="2266950"/>
-            <a:ext cx="8686800" cy="1310284"/>
-          </a:xfrm>
-          <a:prstGeom prst="roundRect">
-            <a:avLst/>
-          </a:prstGeom>
-        </p:spPr>
-        <p:style>
-          <a:lnRef idx="2">
-            <a:schemeClr val="accent1">
-              <a:shade val="50000"/>
-            </a:schemeClr>
-          </a:lnRef>
-          <a:fillRef idx="1">
-            <a:schemeClr val="accent1"/>
-          </a:fillRef>
-          <a:effectRef idx="0">
-            <a:schemeClr val="accent1"/>
-          </a:effectRef>
-          <a:fontRef idx="minor">
-            <a:schemeClr val="lt1"/>
-          </a:fontRef>
-        </p:style>
-        <p:txBody>
-          <a:bodyPr rtlCol="0" anchor="ctr"/>
-          <a:lstStyle/>
-          <a:p>
-            <a:pPr algn="ctr"/>
-            <a:endParaRPr lang="es-MX"/>
-          </a:p>
-        </p:txBody>
-      </p:sp>
-      <p:sp>
-        <p:nvSpPr>
-          <p:cNvPr id="8" name="Rectángulo redondeado 7"/>
-          <p:cNvSpPr/>
-          <p:nvPr/>
-        </p:nvSpPr>
-        <p:spPr>
-          <a:xfrm>
-            <a:off x="185737" y="3714750"/>
-            <a:ext cx="8686800" cy="1369219"/>
-          </a:xfrm>
-          <a:prstGeom prst="roundRect">
-            <a:avLst/>
-          </a:prstGeom>
-        </p:spPr>
-        <p:style>
-          <a:lnRef idx="2">
-            <a:schemeClr val="dk1">
-              <a:shade val="50000"/>
-            </a:schemeClr>
-          </a:lnRef>
-          <a:fillRef idx="1">
-            <a:schemeClr val="dk1"/>
-          </a:fillRef>
-          <a:effectRef idx="0">
-            <a:schemeClr val="dk1"/>
-          </a:effectRef>
-          <a:fontRef idx="minor">
-            <a:schemeClr val="lt1"/>
-          </a:fontRef>
-        </p:style>
-        <p:txBody>
-          <a:bodyPr rtlCol="0" anchor="ctr"/>
-          <a:lstStyle/>
-          <a:p>
-            <a:pPr algn="ctr"/>
-            <a:endParaRPr lang="es-MX"/>
-          </a:p>
-        </p:txBody>
-      </p:sp>
-      <p:sp>
-        <p:nvSpPr>
-          <p:cNvPr id="9" name="Rectángulo redondeado 8"/>
-          <p:cNvSpPr/>
-          <p:nvPr/>
-        </p:nvSpPr>
-        <p:spPr>
-          <a:xfrm>
-            <a:off x="295275" y="912019"/>
-            <a:ext cx="323850" cy="1088231"/>
-          </a:xfrm>
-          <a:prstGeom prst="roundRect">
-            <a:avLst/>
-          </a:prstGeom>
-        </p:spPr>
-        <p:style>
-          <a:lnRef idx="2">
-            <a:schemeClr val="accent1"/>
-          </a:lnRef>
-          <a:fillRef idx="1">
-            <a:schemeClr val="lt1"/>
-          </a:fillRef>
-          <a:effectRef idx="0">
-            <a:schemeClr val="accent1"/>
-          </a:effectRef>
-          <a:fontRef idx="minor">
-            <a:schemeClr val="dk1"/>
-          </a:fontRef>
-        </p:style>
-        <p:txBody>
-          <a:bodyPr rtlCol="0" anchor="ctr"/>
-          <a:lstStyle/>
-          <a:p>
-            <a:pPr algn="ctr"/>
-            <a:r>
-              <a:rPr lang="es-MX" sz="3000" dirty="0" smtClean="0"/>
-              <a:t>1</a:t>
-            </a:r>
-            <a:endParaRPr lang="es-MX" sz="3000" dirty="0"/>
-          </a:p>
-        </p:txBody>
-      </p:sp>
-      <p:sp>
-        <p:nvSpPr>
-          <p:cNvPr id="10" name="Rectángulo redondeado 9"/>
-          <p:cNvSpPr/>
-          <p:nvPr/>
-        </p:nvSpPr>
-        <p:spPr>
-          <a:xfrm>
-            <a:off x="295275" y="2375297"/>
-            <a:ext cx="323850" cy="1088231"/>
-          </a:xfrm>
-          <a:prstGeom prst="roundRect">
-            <a:avLst/>
-          </a:prstGeom>
-        </p:spPr>
-        <p:style>
-          <a:lnRef idx="1">
-            <a:schemeClr val="accent1"/>
-          </a:lnRef>
-          <a:fillRef idx="2">
-            <a:schemeClr val="accent1"/>
-          </a:fillRef>
-          <a:effectRef idx="1">
-            <a:schemeClr val="accent1"/>
-          </a:effectRef>
-          <a:fontRef idx="minor">
-            <a:schemeClr val="dk1"/>
-          </a:fontRef>
-        </p:style>
-        <p:txBody>
-          <a:bodyPr rtlCol="0" anchor="ctr"/>
-          <a:lstStyle/>
-          <a:p>
-            <a:pPr algn="ctr"/>
-            <a:r>
-              <a:rPr lang="es-MX" sz="3000" dirty="0"/>
-              <a:t>2</a:t>
-            </a:r>
-          </a:p>
-        </p:txBody>
-      </p:sp>
-      <p:sp>
-        <p:nvSpPr>
-          <p:cNvPr id="11" name="Rectángulo redondeado 10"/>
-          <p:cNvSpPr/>
-          <p:nvPr/>
-        </p:nvSpPr>
-        <p:spPr>
-          <a:xfrm>
-            <a:off x="302419" y="3855243"/>
-            <a:ext cx="323850" cy="1088231"/>
-          </a:xfrm>
-          <a:prstGeom prst="roundRect">
-            <a:avLst/>
-          </a:prstGeom>
-        </p:spPr>
-        <p:style>
-          <a:lnRef idx="0">
-            <a:schemeClr val="accent1"/>
-          </a:lnRef>
-          <a:fillRef idx="3">
-            <a:schemeClr val="accent1"/>
-          </a:fillRef>
-          <a:effectRef idx="3">
-            <a:schemeClr val="accent1"/>
-          </a:effectRef>
-          <a:fontRef idx="minor">
-            <a:schemeClr val="lt1"/>
-          </a:fontRef>
-        </p:style>
-        <p:txBody>
-          <a:bodyPr rtlCol="0" anchor="ctr"/>
-          <a:lstStyle/>
-          <a:p>
-            <a:pPr algn="ctr"/>
-            <a:r>
-              <a:rPr lang="es-MX" sz="3000" dirty="0"/>
-              <a:t>3</a:t>
-            </a:r>
-          </a:p>
-        </p:txBody>
-      </p:sp>
-      <p:sp>
-        <p:nvSpPr>
-          <p:cNvPr id="12" name="CuadroTexto 11"/>
-          <p:cNvSpPr txBox="1"/>
-          <p:nvPr/>
-        </p:nvSpPr>
-        <p:spPr>
-          <a:xfrm>
-            <a:off x="795337" y="897969"/>
-            <a:ext cx="7772400" cy="1477328"/>
-          </a:xfrm>
-          <a:prstGeom prst="rect">
-            <a:avLst/>
-          </a:prstGeom>
-          <a:noFill/>
-        </p:spPr>
-        <p:txBody>
-          <a:bodyPr wrap="square" rtlCol="0">
-            <a:spAutoFit/>
-          </a:bodyPr>
-          <a:lstStyle/>
-          <a:p>
-            <a:pPr algn="just"/>
-            <a:r>
-              <a:rPr lang="es-MX" b="1" dirty="0" smtClean="0">
-                <a:solidFill>
-                  <a:schemeClr val="bg1"/>
-                </a:solidFill>
-              </a:rPr>
-              <a:t>Acciones focalizadas en </a:t>
-            </a:r>
-            <a:r>
-              <a:rPr lang="es-MX" b="1" dirty="0">
-                <a:solidFill>
-                  <a:schemeClr val="bg1"/>
-                </a:solidFill>
-              </a:rPr>
-              <a:t>el plano </a:t>
-            </a:r>
-            <a:r>
-              <a:rPr lang="es-MX" b="1" dirty="0" smtClean="0">
-                <a:solidFill>
-                  <a:schemeClr val="bg1"/>
-                </a:solidFill>
-              </a:rPr>
-              <a:t>organizacional</a:t>
-            </a:r>
-            <a:r>
-              <a:rPr lang="es-MX" dirty="0" smtClean="0">
-                <a:solidFill>
-                  <a:schemeClr val="bg1"/>
-                </a:solidFill>
-              </a:rPr>
-              <a:t>. Implica </a:t>
-            </a:r>
-            <a:r>
-              <a:rPr lang="es-MX" dirty="0">
-                <a:solidFill>
-                  <a:schemeClr val="bg1"/>
-                </a:solidFill>
-              </a:rPr>
-              <a:t>actuar sobre la política de prevención </a:t>
-            </a:r>
-            <a:r>
-              <a:rPr lang="es-MX" dirty="0" smtClean="0">
-                <a:solidFill>
-                  <a:schemeClr val="bg1"/>
-                </a:solidFill>
-              </a:rPr>
-              <a:t>de riesgos </a:t>
-            </a:r>
-            <a:r>
-              <a:rPr lang="es-MX" dirty="0">
-                <a:solidFill>
-                  <a:schemeClr val="bg1"/>
-                </a:solidFill>
-              </a:rPr>
-              <a:t>psicosociales del centro de trabajo, la organización del </a:t>
-            </a:r>
-            <a:r>
-              <a:rPr lang="es-MX" dirty="0" smtClean="0">
-                <a:solidFill>
-                  <a:schemeClr val="bg1"/>
-                </a:solidFill>
-              </a:rPr>
-              <a:t>trabajo y  </a:t>
-            </a:r>
-            <a:r>
-              <a:rPr lang="es-MX" dirty="0">
-                <a:solidFill>
-                  <a:schemeClr val="bg1"/>
-                </a:solidFill>
-              </a:rPr>
-              <a:t>las acciones o medios </a:t>
-            </a:r>
-            <a:r>
-              <a:rPr lang="es-MX" dirty="0" smtClean="0">
-                <a:solidFill>
-                  <a:schemeClr val="bg1"/>
-                </a:solidFill>
-              </a:rPr>
-              <a:t>para propiciar </a:t>
-            </a:r>
-            <a:r>
-              <a:rPr lang="es-MX" dirty="0">
-                <a:solidFill>
-                  <a:schemeClr val="bg1"/>
-                </a:solidFill>
-              </a:rPr>
-              <a:t>el entorno organizacional favorable.</a:t>
-            </a:r>
-          </a:p>
-          <a:p>
-            <a:endParaRPr lang="es-MX" dirty="0"/>
-          </a:p>
-        </p:txBody>
-      </p:sp>
-      <p:sp>
-        <p:nvSpPr>
-          <p:cNvPr id="13" name="CuadroTexto 12"/>
-          <p:cNvSpPr txBox="1"/>
-          <p:nvPr/>
-        </p:nvSpPr>
-        <p:spPr>
-          <a:xfrm>
-            <a:off x="826294" y="2322312"/>
-            <a:ext cx="7653337" cy="1200329"/>
-          </a:xfrm>
-          <a:prstGeom prst="rect">
-            <a:avLst/>
-          </a:prstGeom>
-          <a:noFill/>
-        </p:spPr>
-        <p:txBody>
-          <a:bodyPr wrap="square" rtlCol="0">
-            <a:spAutoFit/>
-          </a:bodyPr>
-          <a:lstStyle/>
-          <a:p>
-            <a:r>
-              <a:rPr lang="es-MX" b="1" dirty="0" smtClean="0">
-                <a:solidFill>
-                  <a:schemeClr val="bg1"/>
-                </a:solidFill>
-                <a:effectLst>
-                  <a:outerShdw blurRad="38100" dist="38100" dir="2700000" algn="tl">
-                    <a:srgbClr val="000000">
-                      <a:alpha val="43137"/>
-                    </a:srgbClr>
-                  </a:outerShdw>
-                </a:effectLst>
-              </a:rPr>
-              <a:t>Acciones orientadas </a:t>
-            </a:r>
-            <a:r>
-              <a:rPr lang="es-MX" b="1" dirty="0">
-                <a:solidFill>
-                  <a:schemeClr val="bg1"/>
-                </a:solidFill>
-                <a:effectLst>
-                  <a:outerShdw blurRad="38100" dist="38100" dir="2700000" algn="tl">
-                    <a:srgbClr val="000000">
-                      <a:alpha val="43137"/>
-                    </a:srgbClr>
-                  </a:outerShdw>
-                </a:effectLst>
-              </a:rPr>
-              <a:t>al plano </a:t>
-            </a:r>
-            <a:r>
-              <a:rPr lang="es-MX" b="1" dirty="0" smtClean="0">
-                <a:solidFill>
-                  <a:schemeClr val="bg1"/>
-                </a:solidFill>
-                <a:effectLst>
-                  <a:outerShdw blurRad="38100" dist="38100" dir="2700000" algn="tl">
-                    <a:srgbClr val="000000">
-                      <a:alpha val="43137"/>
-                    </a:srgbClr>
-                  </a:outerShdw>
-                </a:effectLst>
-              </a:rPr>
-              <a:t>grupal</a:t>
-            </a:r>
-            <a:r>
-              <a:rPr lang="es-MX" dirty="0" smtClean="0">
-                <a:solidFill>
-                  <a:schemeClr val="bg1"/>
-                </a:solidFill>
-              </a:rPr>
-              <a:t>. Implica capacitar y sensibilizar a los trabajadores  en temas que mejoren el apoyo social (como son, manejo </a:t>
-            </a:r>
-            <a:r>
-              <a:rPr lang="es-MX" dirty="0">
-                <a:solidFill>
-                  <a:schemeClr val="bg1"/>
-                </a:solidFill>
-              </a:rPr>
-              <a:t>de conflictos, trabajo en equipo, orientación a resultados, liderazgo, comunicación </a:t>
-            </a:r>
-            <a:r>
-              <a:rPr lang="es-MX" dirty="0" smtClean="0">
-                <a:solidFill>
-                  <a:schemeClr val="bg1"/>
-                </a:solidFill>
-              </a:rPr>
-              <a:t>asertiva, administración </a:t>
-            </a:r>
-            <a:r>
-              <a:rPr lang="es-MX" dirty="0">
-                <a:solidFill>
-                  <a:schemeClr val="bg1"/>
-                </a:solidFill>
-              </a:rPr>
-              <a:t>del tiempo de trabajo, entre </a:t>
-            </a:r>
-            <a:r>
-              <a:rPr lang="es-MX" dirty="0" smtClean="0">
-                <a:solidFill>
-                  <a:schemeClr val="bg1"/>
-                </a:solidFill>
-              </a:rPr>
-              <a:t>otros).</a:t>
-            </a:r>
-            <a:endParaRPr lang="es-MX" dirty="0">
-              <a:solidFill>
-                <a:schemeClr val="bg1"/>
-              </a:solidFill>
-            </a:endParaRPr>
-          </a:p>
-        </p:txBody>
-      </p:sp>
-      <p:sp>
-        <p:nvSpPr>
-          <p:cNvPr id="14" name="CuadroTexto 13"/>
-          <p:cNvSpPr txBox="1"/>
-          <p:nvPr/>
-        </p:nvSpPr>
-        <p:spPr>
-          <a:xfrm>
-            <a:off x="800099" y="3753386"/>
-            <a:ext cx="7653337" cy="1200329"/>
-          </a:xfrm>
-          <a:prstGeom prst="rect">
-            <a:avLst/>
-          </a:prstGeom>
-          <a:noFill/>
-        </p:spPr>
-        <p:txBody>
-          <a:bodyPr wrap="square" rtlCol="0">
-            <a:spAutoFit/>
-          </a:bodyPr>
-          <a:lstStyle/>
-          <a:p>
-            <a:r>
-              <a:rPr lang="es-MX" b="1" dirty="0" smtClean="0">
-                <a:solidFill>
-                  <a:schemeClr val="bg1"/>
-                </a:solidFill>
-                <a:effectLst>
-                  <a:outerShdw blurRad="38100" dist="38100" dir="2700000" algn="tl">
-                    <a:srgbClr val="000000">
-                      <a:alpha val="43137"/>
-                    </a:srgbClr>
-                  </a:outerShdw>
-                </a:effectLst>
-              </a:rPr>
-              <a:t>Acciones enfocadas en el </a:t>
-            </a:r>
-            <a:r>
-              <a:rPr lang="es-MX" b="1" dirty="0">
-                <a:solidFill>
-                  <a:schemeClr val="bg1"/>
-                </a:solidFill>
-                <a:effectLst>
-                  <a:outerShdw blurRad="38100" dist="38100" dir="2700000" algn="tl">
-                    <a:srgbClr val="000000">
-                      <a:alpha val="43137"/>
-                    </a:srgbClr>
-                  </a:outerShdw>
-                </a:effectLst>
-              </a:rPr>
-              <a:t>plano </a:t>
-            </a:r>
-            <a:r>
-              <a:rPr lang="es-MX" b="1" dirty="0" smtClean="0">
-                <a:solidFill>
-                  <a:schemeClr val="bg1"/>
-                </a:solidFill>
-                <a:effectLst>
-                  <a:outerShdw blurRad="38100" dist="38100" dir="2700000" algn="tl">
-                    <a:srgbClr val="000000">
-                      <a:alpha val="43137"/>
-                    </a:srgbClr>
-                  </a:outerShdw>
-                </a:effectLst>
-              </a:rPr>
-              <a:t>individual. </a:t>
-            </a:r>
-            <a:r>
-              <a:rPr lang="es-MX" dirty="0" smtClean="0">
-                <a:solidFill>
-                  <a:schemeClr val="bg1"/>
-                </a:solidFill>
-              </a:rPr>
-              <a:t>Al comprobar que </a:t>
-            </a:r>
-            <a:r>
-              <a:rPr lang="es-MX" dirty="0">
-                <a:solidFill>
-                  <a:schemeClr val="bg1"/>
-                </a:solidFill>
-              </a:rPr>
-              <a:t>existen signos</a:t>
-            </a:r>
-          </a:p>
-          <a:p>
-            <a:r>
-              <a:rPr lang="es-MX" dirty="0" smtClean="0">
-                <a:solidFill>
-                  <a:schemeClr val="bg1"/>
-                </a:solidFill>
-              </a:rPr>
-              <a:t>que </a:t>
-            </a:r>
-            <a:r>
-              <a:rPr lang="es-MX" dirty="0">
-                <a:solidFill>
-                  <a:schemeClr val="bg1"/>
-                </a:solidFill>
-              </a:rPr>
-              <a:t>denotan alteraciones en la salud, se incluyen intervenciones de tipo clínico o </a:t>
-            </a:r>
-            <a:r>
-              <a:rPr lang="es-MX" dirty="0" smtClean="0">
-                <a:solidFill>
-                  <a:schemeClr val="bg1"/>
-                </a:solidFill>
-              </a:rPr>
-              <a:t>terapéutico, realizadas </a:t>
-            </a:r>
-            <a:r>
-              <a:rPr lang="es-MX" dirty="0">
-                <a:solidFill>
-                  <a:schemeClr val="bg1"/>
-                </a:solidFill>
-              </a:rPr>
-              <a:t>invariablemente por </a:t>
-            </a:r>
-            <a:r>
-              <a:rPr lang="es-MX" dirty="0" smtClean="0">
-                <a:solidFill>
-                  <a:schemeClr val="bg1"/>
-                </a:solidFill>
-              </a:rPr>
-              <a:t>un médico</a:t>
-            </a:r>
-            <a:r>
-              <a:rPr lang="es-MX" dirty="0">
-                <a:solidFill>
-                  <a:schemeClr val="bg1"/>
-                </a:solidFill>
-              </a:rPr>
-              <a:t>, psicólogo o psiquiatra según corresponda</a:t>
-            </a:r>
-            <a:r>
-              <a:rPr lang="es-MX" dirty="0" smtClean="0">
-                <a:solidFill>
-                  <a:schemeClr val="bg1"/>
-                </a:solidFill>
-              </a:rPr>
-              <a:t>.</a:t>
-            </a:r>
-            <a:endParaRPr lang="es-MX" dirty="0">
-              <a:solidFill>
-                <a:schemeClr val="bg1"/>
-              </a:solidFill>
-            </a:endParaRPr>
-          </a:p>
-        </p:txBody>
-      </p:sp>
-    </p:spTree>
-    <p:extLst>
-      <p:ext uri="{BB962C8B-B14F-4D97-AF65-F5344CB8AC3E}">
-        <p14:creationId xmlns:p14="http://schemas.microsoft.com/office/powerpoint/2010/main" val="869946177"/>
-      </p:ext>
-    </p:extLst>
-  </p:cSld>
-  <p:clrMapOvr>
-    <a:masterClrMapping/>
-  </p:clrMapOvr>
-  <p:timing>
-    <p:tnLst>
-      <p:par>
-        <p:cTn id="1" dur="indefinite" restart="never" nodeType="tmRoot"/>
-      </p:par>
-    </p:tnLst>
-  </p:timing>
-</p:sld>
-</file>
-
-<file path=ppt/slides/slide61.xml><?xml version="1.0" encoding="utf-8"?>
-<p:sld xmlns:a="http://schemas.openxmlformats.org/drawingml/2006/main" xmlns:r="http://schemas.openxmlformats.org/officeDocument/2006/relationships" xmlns:p="http://schemas.openxmlformats.org/presentationml/2006/main">
-  <p:cSld>
-    <p:bg>
-      <p:bgPr>
-        <a:blipFill dpi="0" rotWithShape="1">
-          <a:blip r:embed="rId2">
-            <a:lum/>
-          </a:blip>
-          <a:srcRect/>
-          <a:stretch>
-            <a:fillRect/>
-          </a:stretch>
-        </a:blipFill>
-        <a:effectLst/>
-      </p:bgPr>
-    </p:bg>
-    <p:spTree>
-      <p:nvGrpSpPr>
-        <p:cNvPr id="1" name=""/>
-        <p:cNvGrpSpPr/>
-        <p:nvPr/>
-      </p:nvGrpSpPr>
-      <p:grpSpPr>
-        <a:xfrm>
-          <a:off x="0" y="0"/>
-          <a:ext cx="0" cy="0"/>
-          <a:chOff x="0" y="0"/>
-          <a:chExt cx="0" cy="0"/>
-        </a:xfrm>
-      </p:grpSpPr>
-      <p:sp>
-        <p:nvSpPr>
-          <p:cNvPr id="4" name="Marcador de contenido 2"/>
-          <p:cNvSpPr>
-            <a:spLocks noGrp="1"/>
-          </p:cNvSpPr>
-          <p:nvPr>
-            <p:ph idx="1"/>
-          </p:nvPr>
-        </p:nvSpPr>
-        <p:spPr>
-          <a:xfrm>
-            <a:off x="457200" y="2343150"/>
-            <a:ext cx="8229600" cy="2632472"/>
-          </a:xfrm>
-        </p:spPr>
-        <p:txBody>
-          <a:bodyPr>
-            <a:normAutofit/>
-          </a:bodyPr>
-          <a:lstStyle/>
-          <a:p>
-            <a:pPr marL="19050" lvl="0" indent="0" algn="just">
-              <a:buNone/>
-            </a:pPr>
-            <a:endParaRPr lang="es-ES" dirty="0">
-              <a:solidFill>
-                <a:schemeClr val="accent2">
-                  <a:lumMod val="50000"/>
-                </a:schemeClr>
-              </a:solidFill>
-            </a:endParaRPr>
-          </a:p>
-          <a:p>
-            <a:pPr marL="19050" lvl="0" indent="0" algn="just">
-              <a:buNone/>
-            </a:pPr>
-            <a:r>
-              <a:rPr lang="es-ES" dirty="0" smtClean="0">
-                <a:solidFill>
-                  <a:schemeClr val="bg1"/>
-                </a:solidFill>
-              </a:rPr>
-              <a:t>En la </a:t>
-            </a:r>
-            <a:r>
-              <a:rPr lang="en" b="1" i="1" dirty="0" smtClean="0">
-                <a:solidFill>
-                  <a:schemeClr val="bg1"/>
-                </a:solidFill>
-              </a:rPr>
-              <a:t>NOM-035-STPS-2018</a:t>
-            </a:r>
-            <a:r>
-              <a:rPr lang="es-ES" dirty="0" smtClean="0">
-                <a:solidFill>
-                  <a:schemeClr val="bg1"/>
-                </a:solidFill>
-              </a:rPr>
-              <a:t> se vierten algunas sugerencias sobre la identificación y el tratamiento de los FRP en vías de promover un entorno laboral favorable.</a:t>
-            </a:r>
-            <a:endParaRPr lang="es-ES" sz="2400" dirty="0" smtClean="0">
-              <a:solidFill>
-                <a:schemeClr val="bg1"/>
-              </a:solidFill>
-              <a:hlinkClick r:id="rId3">
-                <a:extLst>
-                  <a:ext uri="{A12FA001-AC4F-418D-AE19-62706E023703}">
-                    <ahyp:hlinkClr xmlns="" xmlns:ahyp="http://schemas.microsoft.com/office/drawing/2018/hyperlinkcolor" xmlns:lc="http://schemas.openxmlformats.org/drawingml/2006/lockedCanvas" val="tx"/>
-                  </a:ext>
-                </a:extLst>
-              </a:hlinkClick>
-            </a:endParaRPr>
-          </a:p>
-          <a:p>
-            <a:pPr marL="0" indent="0">
-              <a:buNone/>
-            </a:pPr>
-            <a:endParaRPr lang="es-MX" dirty="0"/>
-          </a:p>
-        </p:txBody>
-      </p:sp>
-      <p:sp>
-        <p:nvSpPr>
-          <p:cNvPr id="2" name="Título 1"/>
-          <p:cNvSpPr>
-            <a:spLocks noGrp="1"/>
-          </p:cNvSpPr>
-          <p:nvPr>
-            <p:ph type="title"/>
-          </p:nvPr>
-        </p:nvSpPr>
-        <p:spPr>
-          <a:xfrm>
-            <a:off x="228600" y="728425"/>
-            <a:ext cx="8229600" cy="857250"/>
-          </a:xfrm>
-        </p:spPr>
-        <p:txBody>
-          <a:bodyPr>
-            <a:normAutofit fontScale="90000"/>
-          </a:bodyPr>
-          <a:lstStyle/>
-          <a:p>
-            <a:pPr fontAlgn="base"/>
-            <a:r>
-              <a:rPr lang="es-MX" dirty="0" smtClean="0"/>
-              <a:t>Unidades </a:t>
-            </a:r>
-            <a:r>
-              <a:rPr lang="es-MX" dirty="0"/>
-              <a:t>de verificación y evaluación de conformidad</a:t>
-            </a:r>
-          </a:p>
-        </p:txBody>
-      </p:sp>
-      <p:pic>
-        <p:nvPicPr>
-          <p:cNvPr id="5" name="Picture 2" descr="Resultado de imagen para Dictamen"/>
-          <p:cNvPicPr>
-            <a:picLocks noChangeAspect="1" noChangeArrowheads="1"/>
-          </p:cNvPicPr>
-          <p:nvPr/>
-        </p:nvPicPr>
-        <p:blipFill>
-          <a:blip r:embed="rId4">
-            <a:extLst>
-              <a:ext uri="{28A0092B-C50C-407E-A947-70E740481C1C}">
-                <a14:useLocalDpi xmlns:a14="http://schemas.microsoft.com/office/drawing/2010/main" val="0"/>
-              </a:ext>
-            </a:extLst>
-          </a:blip>
-          <a:srcRect/>
-          <a:stretch>
-            <a:fillRect/>
-          </a:stretch>
-        </p:blipFill>
-        <p:spPr bwMode="auto">
-          <a:xfrm>
-            <a:off x="2590800" y="2190750"/>
-            <a:ext cx="3429000" cy="2284572"/>
-          </a:xfrm>
-          <a:prstGeom prst="rect">
-            <a:avLst/>
-          </a:prstGeom>
-          <a:noFill/>
-          <a:extLst>
-            <a:ext uri="{909E8E84-426E-40DD-AFC4-6F175D3DCCD1}">
-              <a14:hiddenFill xmlns:a14="http://schemas.microsoft.com/office/drawing/2010/main">
-                <a:solidFill>
-                  <a:srgbClr val="FFFFFF"/>
-                </a:solidFill>
-              </a14:hiddenFill>
-            </a:ext>
-          </a:extLst>
-        </p:spPr>
-      </p:pic>
-    </p:spTree>
-    <p:extLst>
-      <p:ext uri="{BB962C8B-B14F-4D97-AF65-F5344CB8AC3E}">
-        <p14:creationId xmlns:p14="http://schemas.microsoft.com/office/powerpoint/2010/main" val="2478627886"/>
-      </p:ext>
-    </p:extLst>
-  </p:cSld>
-  <p:clrMapOvr>
-    <a:masterClrMapping/>
-  </p:clrMapOvr>
-  <p:timing>
-    <p:tnLst>
-      <p:par>
-        <p:cTn id="1" dur="indefinite" restart="never" nodeType="tmRoot"/>
-      </p:par>
-    </p:tnLst>
-  </p:timing>
-</p:sld>
-</file>
-
-<file path=ppt/slides/slide62.xml><?xml version="1.0" encoding="utf-8"?>
-<p:sld xmlns:a="http://schemas.openxmlformats.org/drawingml/2006/main" xmlns:r="http://schemas.openxmlformats.org/officeDocument/2006/relationships" xmlns:p="http://schemas.openxmlformats.org/presentationml/2006/main">
-  <p:cSld>
-    <p:bg>
-      <p:bgPr>
-        <a:blipFill dpi="0" rotWithShape="1">
-          <a:blip r:embed="rId2">
-            <a:lum/>
-          </a:blip>
-          <a:srcRect/>
-          <a:stretch>
-            <a:fillRect/>
-          </a:stretch>
-        </a:blipFill>
-        <a:effectLst/>
-      </p:bgPr>
-    </p:bg>
-    <p:spTree>
-      <p:nvGrpSpPr>
-        <p:cNvPr id="1" name=""/>
-        <p:cNvGrpSpPr/>
-        <p:nvPr/>
-      </p:nvGrpSpPr>
-      <p:grpSpPr>
-        <a:xfrm>
-          <a:off x="0" y="0"/>
-          <a:ext cx="0" cy="0"/>
-          <a:chOff x="0" y="0"/>
-          <a:chExt cx="0" cy="0"/>
-        </a:xfrm>
-      </p:grpSpPr>
-      <p:sp>
-        <p:nvSpPr>
-          <p:cNvPr id="4" name="Marcador de contenido 2"/>
-          <p:cNvSpPr>
-            <a:spLocks noGrp="1"/>
-          </p:cNvSpPr>
-          <p:nvPr>
-            <p:ph idx="1"/>
-          </p:nvPr>
-        </p:nvSpPr>
-        <p:spPr>
-          <a:xfrm>
-            <a:off x="457200" y="2343150"/>
-            <a:ext cx="8229600" cy="2632472"/>
-          </a:xfrm>
-        </p:spPr>
-        <p:txBody>
-          <a:bodyPr>
-            <a:normAutofit/>
-          </a:bodyPr>
-          <a:lstStyle/>
-          <a:p>
-            <a:pPr marL="19050" lvl="0" indent="0" algn="just">
-              <a:buNone/>
-            </a:pPr>
-            <a:endParaRPr lang="es-ES" dirty="0">
-              <a:solidFill>
-                <a:schemeClr val="accent2">
-                  <a:lumMod val="50000"/>
-                </a:schemeClr>
-              </a:solidFill>
-            </a:endParaRPr>
-          </a:p>
-          <a:p>
-            <a:pPr marL="19050" lvl="0" indent="0" algn="just">
-              <a:buNone/>
-            </a:pPr>
-            <a:r>
-              <a:rPr lang="es-ES" dirty="0" smtClean="0">
-                <a:solidFill>
-                  <a:schemeClr val="bg1"/>
-                </a:solidFill>
-              </a:rPr>
-              <a:t>En la </a:t>
-            </a:r>
-            <a:r>
-              <a:rPr lang="en" b="1" i="1" dirty="0" smtClean="0">
-                <a:solidFill>
-                  <a:schemeClr val="bg1"/>
-                </a:solidFill>
-              </a:rPr>
-              <a:t>NOM-035-STPS-2018</a:t>
-            </a:r>
-            <a:r>
-              <a:rPr lang="es-ES" dirty="0" smtClean="0">
-                <a:solidFill>
-                  <a:schemeClr val="bg1"/>
-                </a:solidFill>
-              </a:rPr>
-              <a:t> se vierten algunas sugerencias sobre la identificación y el tratamiento de los FRP en vías de promover un entorno laboral favorable.</a:t>
-            </a:r>
-            <a:endParaRPr lang="es-ES" sz="2400" dirty="0" smtClean="0">
-              <a:solidFill>
-                <a:schemeClr val="bg1"/>
-              </a:solidFill>
-              <a:hlinkClick r:id="rId3">
-                <a:extLst>
-                  <a:ext uri="{A12FA001-AC4F-418D-AE19-62706E023703}">
-                    <ahyp:hlinkClr xmlns="" xmlns:ahyp="http://schemas.microsoft.com/office/drawing/2018/hyperlinkcolor" xmlns:lc="http://schemas.openxmlformats.org/drawingml/2006/lockedCanvas" val="tx"/>
-                  </a:ext>
-                </a:extLst>
-              </a:hlinkClick>
-            </a:endParaRPr>
-          </a:p>
-          <a:p>
-            <a:pPr marL="0" indent="0">
-              <a:buNone/>
-            </a:pPr>
-            <a:endParaRPr lang="es-MX" dirty="0"/>
-          </a:p>
-        </p:txBody>
-      </p:sp>
-      <p:sp>
-        <p:nvSpPr>
-          <p:cNvPr id="3" name="Título 2"/>
-          <p:cNvSpPr>
-            <a:spLocks noGrp="1"/>
-          </p:cNvSpPr>
-          <p:nvPr>
-            <p:ph type="title"/>
-          </p:nvPr>
-        </p:nvSpPr>
-        <p:spPr/>
-        <p:txBody>
-          <a:bodyPr>
-            <a:normAutofit fontScale="90000"/>
-          </a:bodyPr>
-          <a:lstStyle/>
-          <a:p>
-            <a:r>
-              <a:rPr lang="es-MX" dirty="0" smtClean="0"/>
-              <a:t/>
-            </a:r>
-            <a:br>
-              <a:rPr lang="es-MX" dirty="0" smtClean="0"/>
-            </a:br>
-            <a:endParaRPr lang="es-MX" dirty="0"/>
-          </a:p>
-        </p:txBody>
-      </p:sp>
-      <p:sp>
-        <p:nvSpPr>
-          <p:cNvPr id="6" name="Marcador de contenido 2"/>
-          <p:cNvSpPr txBox="1">
-            <a:spLocks/>
-          </p:cNvSpPr>
-          <p:nvPr/>
-        </p:nvSpPr>
-        <p:spPr>
-          <a:xfrm>
-            <a:off x="457200" y="933449"/>
-            <a:ext cx="8229600" cy="3276601"/>
-          </a:xfrm>
-          <a:prstGeom prst="rect">
-            <a:avLst/>
-          </a:prstGeom>
-        </p:spPr>
-        <p:txBody>
-          <a:bodyPr vert="horz" lIns="91440" tIns="45720" rIns="91440" bIns="45720" rtlCol="0">
-            <a:normAutofit/>
-          </a:bodyPr>
-          <a:lstStyle>
-            <a:lvl1pPr marL="342900" indent="-342900" algn="l" defTabSz="914400" rtl="0" eaLnBrk="1" latinLnBrk="0" hangingPunct="1">
-              <a:spcBef>
-                <a:spcPct val="20000"/>
-              </a:spcBef>
-              <a:buFont typeface="Arial" panose="020B0604020202020204" pitchFamily="34" charset="0"/>
-              <a:buChar char="•"/>
-              <a:defRPr sz="3200" kern="1200">
-                <a:solidFill>
-                  <a:schemeClr val="tx1"/>
-                </a:solidFill>
-                <a:latin typeface="+mn-lt"/>
-                <a:ea typeface="+mn-ea"/>
-                <a:cs typeface="+mn-cs"/>
-              </a:defRPr>
-            </a:lvl1pPr>
-            <a:lvl2pPr marL="742950" indent="-285750" algn="l" defTabSz="914400" rtl="0" eaLnBrk="1" latinLnBrk="0" hangingPunct="1">
-              <a:spcBef>
-                <a:spcPct val="20000"/>
-              </a:spcBef>
-              <a:buFont typeface="Arial" panose="020B0604020202020204" pitchFamily="34" charset="0"/>
-              <a:buChar char="–"/>
-              <a:defRPr sz="2800" kern="1200">
-                <a:solidFill>
-                  <a:schemeClr val="tx1"/>
-                </a:solidFill>
-                <a:latin typeface="+mn-lt"/>
-                <a:ea typeface="+mn-ea"/>
-                <a:cs typeface="+mn-cs"/>
-              </a:defRPr>
-            </a:lvl2pPr>
-            <a:lvl3pPr marL="1143000" indent="-228600" algn="l" defTabSz="914400" rtl="0" eaLnBrk="1" latinLnBrk="0" hangingPunct="1">
-              <a:spcBef>
-                <a:spcPct val="20000"/>
-              </a:spcBef>
-              <a:buFont typeface="Arial" panose="020B0604020202020204" pitchFamily="34" charset="0"/>
-              <a:buChar char="•"/>
-              <a:defRPr sz="2400" kern="1200">
-                <a:solidFill>
-                  <a:schemeClr val="tx1"/>
-                </a:solidFill>
-                <a:latin typeface="+mn-lt"/>
-                <a:ea typeface="+mn-ea"/>
-                <a:cs typeface="+mn-cs"/>
-              </a:defRPr>
-            </a:lvl3pPr>
-            <a:lvl4pPr marL="1600200" indent="-228600" algn="l" defTabSz="914400" rtl="0" eaLnBrk="1" latinLnBrk="0" hangingPunct="1">
-              <a:spcBef>
-                <a:spcPct val="20000"/>
-              </a:spcBef>
-              <a:buFont typeface="Arial" panose="020B0604020202020204" pitchFamily="34" charset="0"/>
-              <a:buChar char="–"/>
-              <a:defRPr sz="2000" kern="1200">
-                <a:solidFill>
-                  <a:schemeClr val="tx1"/>
-                </a:solidFill>
-                <a:latin typeface="+mn-lt"/>
-                <a:ea typeface="+mn-ea"/>
-                <a:cs typeface="+mn-cs"/>
-              </a:defRPr>
-            </a:lvl4pPr>
-            <a:lvl5pPr marL="2057400" indent="-228600" algn="l" defTabSz="914400" rtl="0" eaLnBrk="1" latinLnBrk="0" hangingPunct="1">
-              <a:spcBef>
-                <a:spcPct val="20000"/>
-              </a:spcBef>
-              <a:buFont typeface="Arial" panose="020B0604020202020204" pitchFamily="34" charset="0"/>
-              <a:buChar char="»"/>
-              <a:defRPr sz="2000" kern="1200">
-                <a:solidFill>
-                  <a:schemeClr val="tx1"/>
-                </a:solidFill>
-                <a:latin typeface="+mn-lt"/>
-                <a:ea typeface="+mn-ea"/>
-                <a:cs typeface="+mn-cs"/>
-              </a:defRPr>
-            </a:lvl5pPr>
-            <a:lvl6pPr marL="2514600" indent="-228600" algn="l" defTabSz="914400" rtl="0" eaLnBrk="1" latinLnBrk="0" hangingPunct="1">
-              <a:spcBef>
-                <a:spcPct val="20000"/>
-              </a:spcBef>
-              <a:buFont typeface="Arial" panose="020B0604020202020204" pitchFamily="34" charset="0"/>
-              <a:buChar char="•"/>
-              <a:defRPr sz="2000" kern="1200">
-                <a:solidFill>
-                  <a:schemeClr val="tx1"/>
-                </a:solidFill>
-                <a:latin typeface="+mn-lt"/>
-                <a:ea typeface="+mn-ea"/>
-                <a:cs typeface="+mn-cs"/>
-              </a:defRPr>
-            </a:lvl6pPr>
-            <a:lvl7pPr marL="2971800" indent="-228600" algn="l" defTabSz="914400" rtl="0" eaLnBrk="1" latinLnBrk="0" hangingPunct="1">
-              <a:spcBef>
-                <a:spcPct val="20000"/>
-              </a:spcBef>
-              <a:buFont typeface="Arial" panose="020B0604020202020204" pitchFamily="34" charset="0"/>
-              <a:buChar char="•"/>
-              <a:defRPr sz="2000" kern="1200">
-                <a:solidFill>
-                  <a:schemeClr val="tx1"/>
-                </a:solidFill>
-                <a:latin typeface="+mn-lt"/>
-                <a:ea typeface="+mn-ea"/>
-                <a:cs typeface="+mn-cs"/>
-              </a:defRPr>
-            </a:lvl7pPr>
-            <a:lvl8pPr marL="3429000" indent="-228600" algn="l" defTabSz="914400" rtl="0" eaLnBrk="1" latinLnBrk="0" hangingPunct="1">
-              <a:spcBef>
-                <a:spcPct val="20000"/>
-              </a:spcBef>
-              <a:buFont typeface="Arial" panose="020B0604020202020204" pitchFamily="34" charset="0"/>
-              <a:buChar char="•"/>
-              <a:defRPr sz="2000" kern="1200">
-                <a:solidFill>
-                  <a:schemeClr val="tx1"/>
-                </a:solidFill>
-                <a:latin typeface="+mn-lt"/>
-                <a:ea typeface="+mn-ea"/>
-                <a:cs typeface="+mn-cs"/>
-              </a:defRPr>
-            </a:lvl8pPr>
-            <a:lvl9pPr marL="3886200" indent="-228600" algn="l" defTabSz="914400" rtl="0" eaLnBrk="1" latinLnBrk="0" hangingPunct="1">
-              <a:spcBef>
-                <a:spcPct val="20000"/>
-              </a:spcBef>
-              <a:buFont typeface="Arial" panose="020B0604020202020204" pitchFamily="34" charset="0"/>
-              <a:buChar char="•"/>
-              <a:defRPr sz="2000" kern="1200">
-                <a:solidFill>
-                  <a:schemeClr val="tx1"/>
-                </a:solidFill>
-                <a:latin typeface="+mn-lt"/>
-                <a:ea typeface="+mn-ea"/>
-                <a:cs typeface="+mn-cs"/>
-              </a:defRPr>
-            </a:lvl9pPr>
-          </a:lstStyle>
-          <a:p>
-            <a:pPr marL="0" indent="0" algn="just">
-              <a:buFont typeface="Arial" panose="020B0604020202020204" pitchFamily="34" charset="0"/>
-              <a:buNone/>
-            </a:pPr>
-            <a:r>
-              <a:rPr lang="es-MX" smtClean="0">
-                <a:solidFill>
-                  <a:schemeClr val="tx2">
-                    <a:lumMod val="50000"/>
-                  </a:schemeClr>
-                </a:solidFill>
-              </a:rPr>
-              <a:t>El patrón tendrá la opción de </a:t>
-            </a:r>
-            <a:r>
-              <a:rPr lang="es-MX" b="1" smtClean="0">
-                <a:solidFill>
-                  <a:schemeClr val="tx2">
-                    <a:lumMod val="60000"/>
-                    <a:lumOff val="40000"/>
-                  </a:schemeClr>
-                </a:solidFill>
-              </a:rPr>
-              <a:t>contratar una unidad de verificación acreditada y aprobada</a:t>
-            </a:r>
-            <a:r>
-              <a:rPr lang="es-MX" smtClean="0">
-                <a:solidFill>
-                  <a:schemeClr val="tx2">
-                    <a:lumMod val="50000"/>
-                  </a:schemeClr>
-                </a:solidFill>
-              </a:rPr>
-              <a:t>, en los términos de la Ley Federal sobre Metrología y Normalización y su Reglamento, para verificar el grado de cumplimiento con esta Norma.</a:t>
-            </a:r>
-          </a:p>
-          <a:p>
-            <a:pPr marL="0" indent="0" algn="just">
-              <a:buFont typeface="Arial" panose="020B0604020202020204" pitchFamily="34" charset="0"/>
-              <a:buNone/>
-            </a:pPr>
-            <a:endParaRPr lang="es-MX" dirty="0" smtClean="0">
-              <a:solidFill>
-                <a:schemeClr val="tx2">
-                  <a:lumMod val="50000"/>
-                </a:schemeClr>
-              </a:solidFill>
-            </a:endParaRPr>
-          </a:p>
-        </p:txBody>
-      </p:sp>
-    </p:spTree>
-    <p:extLst>
-      <p:ext uri="{BB962C8B-B14F-4D97-AF65-F5344CB8AC3E}">
-        <p14:creationId xmlns:p14="http://schemas.microsoft.com/office/powerpoint/2010/main" val="484569839"/>
-      </p:ext>
-    </p:extLst>
-  </p:cSld>
-  <p:clrMapOvr>
-    <a:masterClrMapping/>
-  </p:clrMapOvr>
-  <p:timing>
-    <p:tnLst>
-      <p:par>
-        <p:cTn id="1" dur="indefinite" restart="never" nodeType="tmRoot"/>
-      </p:par>
-    </p:tnLst>
-  </p:timing>
-</p:sld>
-</file>
-
-<file path=ppt/slides/slide63.xml><?xml version="1.0" encoding="utf-8"?>
-<p:sld xmlns:a="http://schemas.openxmlformats.org/drawingml/2006/main" xmlns:r="http://schemas.openxmlformats.org/officeDocument/2006/relationships" xmlns:p="http://schemas.openxmlformats.org/presentationml/2006/main">
-  <p:cSld>
-    <p:bg>
-      <p:bgPr>
-        <a:blipFill dpi="0" rotWithShape="1">
-          <a:blip r:embed="rId2">
-            <a:lum/>
-          </a:blip>
-          <a:srcRect/>
-          <a:stretch>
-            <a:fillRect/>
-          </a:stretch>
-        </a:blipFill>
-        <a:effectLst/>
-      </p:bgPr>
-    </p:bg>
-    <p:spTree>
-      <p:nvGrpSpPr>
-        <p:cNvPr id="1" name=""/>
-        <p:cNvGrpSpPr/>
-        <p:nvPr/>
-      </p:nvGrpSpPr>
-      <p:grpSpPr>
-        <a:xfrm>
-          <a:off x="0" y="0"/>
-          <a:ext cx="0" cy="0"/>
-          <a:chOff x="0" y="0"/>
-          <a:chExt cx="0" cy="0"/>
-        </a:xfrm>
-      </p:grpSpPr>
-      <p:sp>
-        <p:nvSpPr>
-          <p:cNvPr id="4" name="Marcador de contenido 2"/>
-          <p:cNvSpPr>
-            <a:spLocks noGrp="1"/>
-          </p:cNvSpPr>
-          <p:nvPr>
-            <p:ph idx="1"/>
-          </p:nvPr>
-        </p:nvSpPr>
-        <p:spPr>
-          <a:xfrm>
-            <a:off x="457200" y="2343150"/>
-            <a:ext cx="8229600" cy="2632472"/>
-          </a:xfrm>
-        </p:spPr>
-        <p:txBody>
-          <a:bodyPr>
-            <a:normAutofit/>
-          </a:bodyPr>
-          <a:lstStyle/>
-          <a:p>
-            <a:pPr marL="19050" lvl="0" indent="0" algn="just">
-              <a:buNone/>
-            </a:pPr>
-            <a:endParaRPr lang="es-ES" dirty="0">
-              <a:solidFill>
-                <a:schemeClr val="accent2">
-                  <a:lumMod val="50000"/>
-                </a:schemeClr>
-              </a:solidFill>
-            </a:endParaRPr>
-          </a:p>
-          <a:p>
-            <a:pPr marL="19050" lvl="0" indent="0" algn="just">
-              <a:buNone/>
-            </a:pPr>
-            <a:r>
-              <a:rPr lang="es-ES" dirty="0" smtClean="0">
-                <a:solidFill>
-                  <a:schemeClr val="bg1"/>
-                </a:solidFill>
-              </a:rPr>
-              <a:t>En la </a:t>
-            </a:r>
-            <a:r>
-              <a:rPr lang="en" b="1" i="1" dirty="0" smtClean="0">
-                <a:solidFill>
-                  <a:schemeClr val="bg1"/>
-                </a:solidFill>
-              </a:rPr>
-              <a:t>NOM-035-STPS-2018</a:t>
-            </a:r>
-            <a:r>
-              <a:rPr lang="es-ES" dirty="0" smtClean="0">
-                <a:solidFill>
-                  <a:schemeClr val="bg1"/>
-                </a:solidFill>
-              </a:rPr>
-              <a:t> se vierten algunas sugerencias sobre la identificación y el tratamiento de los FRP en vías de promover un entorno laboral favorable.</a:t>
-            </a:r>
-            <a:endParaRPr lang="es-ES" sz="2400" dirty="0" smtClean="0">
-              <a:solidFill>
-                <a:schemeClr val="bg1"/>
-              </a:solidFill>
-              <a:hlinkClick r:id="rId3">
-                <a:extLst>
-                  <a:ext uri="{A12FA001-AC4F-418D-AE19-62706E023703}">
-                    <ahyp:hlinkClr xmlns="" xmlns:ahyp="http://schemas.microsoft.com/office/drawing/2018/hyperlinkcolor" xmlns:lc="http://schemas.openxmlformats.org/drawingml/2006/lockedCanvas" val="tx"/>
-                  </a:ext>
-                </a:extLst>
-              </a:hlinkClick>
-            </a:endParaRPr>
-          </a:p>
-          <a:p>
-            <a:pPr marL="0" indent="0">
-              <a:buNone/>
-            </a:pPr>
-            <a:endParaRPr lang="es-MX" dirty="0"/>
-          </a:p>
-        </p:txBody>
-      </p:sp>
-      <p:sp>
-        <p:nvSpPr>
-          <p:cNvPr id="3" name="Título 2"/>
-          <p:cNvSpPr>
-            <a:spLocks noGrp="1"/>
-          </p:cNvSpPr>
-          <p:nvPr>
-            <p:ph type="title"/>
-          </p:nvPr>
-        </p:nvSpPr>
-        <p:spPr/>
-        <p:txBody>
-          <a:bodyPr>
-            <a:normAutofit fontScale="90000"/>
-          </a:bodyPr>
-          <a:lstStyle/>
-          <a:p>
-            <a:r>
-              <a:rPr lang="es-MX" dirty="0" smtClean="0"/>
-              <a:t/>
-            </a:r>
-            <a:br>
-              <a:rPr lang="es-MX" dirty="0" smtClean="0"/>
-            </a:br>
-            <a:endParaRPr lang="es-MX" dirty="0"/>
-          </a:p>
-        </p:txBody>
-      </p:sp>
-      <p:sp>
-        <p:nvSpPr>
-          <p:cNvPr id="5" name="Marcador de contenido 2"/>
-          <p:cNvSpPr txBox="1">
-            <a:spLocks/>
-          </p:cNvSpPr>
-          <p:nvPr/>
-        </p:nvSpPr>
-        <p:spPr>
-          <a:xfrm>
-            <a:off x="228600" y="919164"/>
-            <a:ext cx="8229600" cy="2632472"/>
-          </a:xfrm>
-          <a:prstGeom prst="rect">
-            <a:avLst/>
-          </a:prstGeom>
-        </p:spPr>
-        <p:txBody>
-          <a:bodyPr vert="horz" lIns="91440" tIns="45720" rIns="91440" bIns="45720" rtlCol="0">
-            <a:noAutofit/>
-          </a:bodyPr>
-          <a:lstStyle>
-            <a:lvl1pPr marL="342900" indent="-342900" algn="l" defTabSz="914400" rtl="0" eaLnBrk="1" latinLnBrk="0" hangingPunct="1">
-              <a:spcBef>
-                <a:spcPct val="20000"/>
-              </a:spcBef>
-              <a:buFont typeface="Arial" panose="020B0604020202020204" pitchFamily="34" charset="0"/>
-              <a:buChar char="•"/>
-              <a:defRPr sz="3200" kern="1200">
-                <a:solidFill>
-                  <a:schemeClr val="tx1"/>
-                </a:solidFill>
-                <a:latin typeface="+mn-lt"/>
-                <a:ea typeface="+mn-ea"/>
-                <a:cs typeface="+mn-cs"/>
-              </a:defRPr>
-            </a:lvl1pPr>
-            <a:lvl2pPr marL="742950" indent="-285750" algn="l" defTabSz="914400" rtl="0" eaLnBrk="1" latinLnBrk="0" hangingPunct="1">
-              <a:spcBef>
-                <a:spcPct val="20000"/>
-              </a:spcBef>
-              <a:buFont typeface="Arial" panose="020B0604020202020204" pitchFamily="34" charset="0"/>
-              <a:buChar char="–"/>
-              <a:defRPr sz="2800" kern="1200">
-                <a:solidFill>
-                  <a:schemeClr val="tx1"/>
-                </a:solidFill>
-                <a:latin typeface="+mn-lt"/>
-                <a:ea typeface="+mn-ea"/>
-                <a:cs typeface="+mn-cs"/>
-              </a:defRPr>
-            </a:lvl2pPr>
-            <a:lvl3pPr marL="1143000" indent="-228600" algn="l" defTabSz="914400" rtl="0" eaLnBrk="1" latinLnBrk="0" hangingPunct="1">
-              <a:spcBef>
-                <a:spcPct val="20000"/>
-              </a:spcBef>
-              <a:buFont typeface="Arial" panose="020B0604020202020204" pitchFamily="34" charset="0"/>
-              <a:buChar char="•"/>
-              <a:defRPr sz="2400" kern="1200">
-                <a:solidFill>
-                  <a:schemeClr val="tx1"/>
-                </a:solidFill>
-                <a:latin typeface="+mn-lt"/>
-                <a:ea typeface="+mn-ea"/>
-                <a:cs typeface="+mn-cs"/>
-              </a:defRPr>
-            </a:lvl3pPr>
-            <a:lvl4pPr marL="1600200" indent="-228600" algn="l" defTabSz="914400" rtl="0" eaLnBrk="1" latinLnBrk="0" hangingPunct="1">
-              <a:spcBef>
-                <a:spcPct val="20000"/>
-              </a:spcBef>
-              <a:buFont typeface="Arial" panose="020B0604020202020204" pitchFamily="34" charset="0"/>
-              <a:buChar char="–"/>
-              <a:defRPr sz="2000" kern="1200">
-                <a:solidFill>
-                  <a:schemeClr val="tx1"/>
-                </a:solidFill>
-                <a:latin typeface="+mn-lt"/>
-                <a:ea typeface="+mn-ea"/>
-                <a:cs typeface="+mn-cs"/>
-              </a:defRPr>
-            </a:lvl4pPr>
-            <a:lvl5pPr marL="2057400" indent="-228600" algn="l" defTabSz="914400" rtl="0" eaLnBrk="1" latinLnBrk="0" hangingPunct="1">
-              <a:spcBef>
-                <a:spcPct val="20000"/>
-              </a:spcBef>
-              <a:buFont typeface="Arial" panose="020B0604020202020204" pitchFamily="34" charset="0"/>
-              <a:buChar char="»"/>
-              <a:defRPr sz="2000" kern="1200">
-                <a:solidFill>
-                  <a:schemeClr val="tx1"/>
-                </a:solidFill>
-                <a:latin typeface="+mn-lt"/>
-                <a:ea typeface="+mn-ea"/>
-                <a:cs typeface="+mn-cs"/>
-              </a:defRPr>
-            </a:lvl5pPr>
-            <a:lvl6pPr marL="2514600" indent="-228600" algn="l" defTabSz="914400" rtl="0" eaLnBrk="1" latinLnBrk="0" hangingPunct="1">
-              <a:spcBef>
-                <a:spcPct val="20000"/>
-              </a:spcBef>
-              <a:buFont typeface="Arial" panose="020B0604020202020204" pitchFamily="34" charset="0"/>
-              <a:buChar char="•"/>
-              <a:defRPr sz="2000" kern="1200">
-                <a:solidFill>
-                  <a:schemeClr val="tx1"/>
-                </a:solidFill>
-                <a:latin typeface="+mn-lt"/>
-                <a:ea typeface="+mn-ea"/>
-                <a:cs typeface="+mn-cs"/>
-              </a:defRPr>
-            </a:lvl6pPr>
-            <a:lvl7pPr marL="2971800" indent="-228600" algn="l" defTabSz="914400" rtl="0" eaLnBrk="1" latinLnBrk="0" hangingPunct="1">
-              <a:spcBef>
-                <a:spcPct val="20000"/>
-              </a:spcBef>
-              <a:buFont typeface="Arial" panose="020B0604020202020204" pitchFamily="34" charset="0"/>
-              <a:buChar char="•"/>
-              <a:defRPr sz="2000" kern="1200">
-                <a:solidFill>
-                  <a:schemeClr val="tx1"/>
-                </a:solidFill>
-                <a:latin typeface="+mn-lt"/>
-                <a:ea typeface="+mn-ea"/>
-                <a:cs typeface="+mn-cs"/>
-              </a:defRPr>
-            </a:lvl7pPr>
-            <a:lvl8pPr marL="3429000" indent="-228600" algn="l" defTabSz="914400" rtl="0" eaLnBrk="1" latinLnBrk="0" hangingPunct="1">
-              <a:spcBef>
-                <a:spcPct val="20000"/>
-              </a:spcBef>
-              <a:buFont typeface="Arial" panose="020B0604020202020204" pitchFamily="34" charset="0"/>
-              <a:buChar char="•"/>
-              <a:defRPr sz="2000" kern="1200">
-                <a:solidFill>
-                  <a:schemeClr val="tx1"/>
-                </a:solidFill>
-                <a:latin typeface="+mn-lt"/>
-                <a:ea typeface="+mn-ea"/>
-                <a:cs typeface="+mn-cs"/>
-              </a:defRPr>
-            </a:lvl8pPr>
-            <a:lvl9pPr marL="3886200" indent="-228600" algn="l" defTabSz="914400" rtl="0" eaLnBrk="1" latinLnBrk="0" hangingPunct="1">
-              <a:spcBef>
-                <a:spcPct val="20000"/>
-              </a:spcBef>
-              <a:buFont typeface="Arial" panose="020B0604020202020204" pitchFamily="34" charset="0"/>
-              <a:buChar char="•"/>
-              <a:defRPr sz="2000" kern="1200">
-                <a:solidFill>
-                  <a:schemeClr val="tx1"/>
-                </a:solidFill>
-                <a:latin typeface="+mn-lt"/>
-                <a:ea typeface="+mn-ea"/>
-                <a:cs typeface="+mn-cs"/>
-              </a:defRPr>
-            </a:lvl9pPr>
-          </a:lstStyle>
-          <a:p>
-            <a:pPr marL="19050" indent="0" algn="just">
-              <a:buFont typeface="Arial" panose="020B0604020202020204" pitchFamily="34" charset="0"/>
-              <a:buNone/>
-            </a:pPr>
-            <a:r>
-              <a:rPr lang="es-MX" sz="2000" smtClean="0">
-                <a:solidFill>
-                  <a:schemeClr val="tx2">
-                    <a:lumMod val="50000"/>
-                  </a:schemeClr>
-                </a:solidFill>
-              </a:rPr>
-              <a:t>Al evaluar el cumplimiento de la NOM-035-STPS, las unidades de verificación acreditadas deberán emitir un dictamen que contenga:</a:t>
-            </a:r>
-          </a:p>
-          <a:p>
-            <a:pPr marL="19050" indent="0" algn="just">
-              <a:buFont typeface="Arial" panose="020B0604020202020204" pitchFamily="34" charset="0"/>
-              <a:buNone/>
-            </a:pPr>
-            <a:r>
-              <a:rPr lang="es-MX" sz="2000" smtClean="0">
-                <a:solidFill>
-                  <a:schemeClr val="accent2">
-                    <a:lumMod val="50000"/>
-                  </a:schemeClr>
-                </a:solidFill>
-              </a:rPr>
-              <a:t>						</a:t>
-            </a:r>
-            <a:endParaRPr lang="es-MX" sz="2000" dirty="0"/>
-          </a:p>
-        </p:txBody>
-      </p:sp>
-      <p:sp>
-        <p:nvSpPr>
-          <p:cNvPr id="6" name="Título 1"/>
-          <p:cNvSpPr txBox="1">
-            <a:spLocks/>
-          </p:cNvSpPr>
-          <p:nvPr/>
-        </p:nvSpPr>
-        <p:spPr>
-          <a:xfrm>
-            <a:off x="435769" y="32744"/>
-            <a:ext cx="8229600" cy="857250"/>
-          </a:xfrm>
-          <a:prstGeom prst="rect">
-            <a:avLst/>
-          </a:prstGeom>
-        </p:spPr>
-        <p:txBody>
-          <a:bodyPr vert="horz" lIns="91440" tIns="45720" rIns="91440" bIns="45720" rtlCol="0" anchor="ctr">
-            <a:normAutofit/>
-          </a:bodyPr>
-          <a:lstStyle>
-            <a:lvl1pPr algn="ctr" defTabSz="914400" rtl="0" eaLnBrk="1" latinLnBrk="0" hangingPunct="1">
-              <a:spcBef>
-                <a:spcPct val="0"/>
-              </a:spcBef>
-              <a:buNone/>
-              <a:defRPr sz="4400" kern="1200">
-                <a:solidFill>
-                  <a:schemeClr val="tx1"/>
-                </a:solidFill>
-                <a:latin typeface="+mj-lt"/>
-                <a:ea typeface="+mj-ea"/>
-                <a:cs typeface="+mj-cs"/>
-              </a:defRPr>
-            </a:lvl1pPr>
-          </a:lstStyle>
-          <a:p>
-            <a:r>
-              <a:rPr lang="es-MX" dirty="0" smtClean="0"/>
-              <a:t>Dictamen de acreditación</a:t>
-            </a:r>
-            <a:endParaRPr lang="es-MX" dirty="0"/>
-          </a:p>
-        </p:txBody>
-      </p:sp>
-      <p:sp>
-        <p:nvSpPr>
-          <p:cNvPr id="7" name="Rectángulo redondeado 6"/>
-          <p:cNvSpPr/>
-          <p:nvPr/>
-        </p:nvSpPr>
-        <p:spPr>
-          <a:xfrm>
-            <a:off x="257175" y="1733550"/>
-            <a:ext cx="3705226" cy="2971800"/>
-          </a:xfrm>
-          <a:prstGeom prst="roundRect">
-            <a:avLst/>
-          </a:prstGeom>
-        </p:spPr>
-        <p:style>
-          <a:lnRef idx="2">
-            <a:schemeClr val="accent1">
-              <a:shade val="50000"/>
-            </a:schemeClr>
-          </a:lnRef>
-          <a:fillRef idx="1">
-            <a:schemeClr val="accent1"/>
-          </a:fillRef>
-          <a:effectRef idx="0">
-            <a:schemeClr val="accent1"/>
-          </a:effectRef>
-          <a:fontRef idx="minor">
-            <a:schemeClr val="lt1"/>
-          </a:fontRef>
-        </p:style>
-        <p:txBody>
-          <a:bodyPr rtlCol="0" anchor="ctr"/>
-          <a:lstStyle/>
-          <a:p>
-            <a:pPr algn="ctr"/>
-            <a:endParaRPr lang="es-MX"/>
-          </a:p>
-        </p:txBody>
-      </p:sp>
-      <p:sp>
-        <p:nvSpPr>
-          <p:cNvPr id="8" name="Rectángulo redondeado 7"/>
-          <p:cNvSpPr/>
-          <p:nvPr/>
-        </p:nvSpPr>
-        <p:spPr>
-          <a:xfrm>
-            <a:off x="4550569" y="1733550"/>
-            <a:ext cx="3886200" cy="2971800"/>
-          </a:xfrm>
-          <a:prstGeom prst="roundRect">
-            <a:avLst/>
-          </a:prstGeom>
-        </p:spPr>
-        <p:style>
-          <a:lnRef idx="2">
-            <a:schemeClr val="accent1">
-              <a:shade val="50000"/>
-            </a:schemeClr>
-          </a:lnRef>
-          <a:fillRef idx="1">
-            <a:schemeClr val="accent1"/>
-          </a:fillRef>
-          <a:effectRef idx="0">
-            <a:schemeClr val="accent1"/>
-          </a:effectRef>
-          <a:fontRef idx="minor">
-            <a:schemeClr val="lt1"/>
-          </a:fontRef>
-        </p:style>
-        <p:txBody>
-          <a:bodyPr rtlCol="0" anchor="ctr"/>
-          <a:lstStyle/>
-          <a:p>
-            <a:pPr algn="ctr"/>
-            <a:endParaRPr lang="es-MX"/>
-          </a:p>
-        </p:txBody>
-      </p:sp>
-      <p:sp>
-        <p:nvSpPr>
-          <p:cNvPr id="9" name="CuadroTexto 8"/>
-          <p:cNvSpPr txBox="1"/>
-          <p:nvPr/>
-        </p:nvSpPr>
-        <p:spPr>
-          <a:xfrm>
-            <a:off x="811408" y="2672865"/>
-            <a:ext cx="2711056" cy="1815882"/>
-          </a:xfrm>
-          <a:prstGeom prst="rect">
-            <a:avLst/>
-          </a:prstGeom>
-          <a:solidFill>
-            <a:schemeClr val="accent1">
-              <a:lumMod val="40000"/>
-              <a:lumOff val="60000"/>
-            </a:schemeClr>
-          </a:solidFill>
-        </p:spPr>
-        <p:txBody>
-          <a:bodyPr wrap="square" rtlCol="0">
-            <a:spAutoFit/>
-          </a:bodyPr>
-          <a:lstStyle/>
-          <a:p>
-            <a:pPr marL="19050" lvl="0" algn="just"/>
-            <a:r>
-              <a:rPr lang="es-MX" sz="1600" dirty="0" smtClean="0">
-                <a:solidFill>
-                  <a:schemeClr val="tx2"/>
-                </a:solidFill>
-              </a:rPr>
-              <a:t>1. Nombre</a:t>
-            </a:r>
-            <a:r>
-              <a:rPr lang="es-MX" sz="1600" dirty="0">
-                <a:solidFill>
-                  <a:schemeClr val="tx2"/>
-                </a:solidFill>
-              </a:rPr>
-              <a:t>, denominación o razón </a:t>
-            </a:r>
-            <a:r>
-              <a:rPr lang="es-MX" sz="1600" dirty="0" smtClean="0">
-                <a:solidFill>
-                  <a:schemeClr val="tx2"/>
-                </a:solidFill>
-              </a:rPr>
-              <a:t>social</a:t>
-            </a:r>
-          </a:p>
-          <a:p>
-            <a:pPr marL="19050" lvl="0" indent="0" algn="just">
-              <a:buNone/>
-            </a:pPr>
-            <a:r>
-              <a:rPr lang="es-MX" sz="1600" dirty="0" smtClean="0">
-                <a:solidFill>
-                  <a:schemeClr val="tx2"/>
-                </a:solidFill>
-              </a:rPr>
-              <a:t>2. El </a:t>
-            </a:r>
-            <a:r>
-              <a:rPr lang="es-MX" sz="1600" dirty="0">
-                <a:solidFill>
-                  <a:schemeClr val="tx2"/>
-                </a:solidFill>
-              </a:rPr>
-              <a:t>Registro Federal de Contribuyentes;</a:t>
-            </a:r>
-          </a:p>
-          <a:p>
-            <a:pPr marL="19050" lvl="0" indent="0" algn="just">
-              <a:buNone/>
-            </a:pPr>
-            <a:r>
-              <a:rPr lang="es-MX" sz="1600" dirty="0" smtClean="0">
-                <a:solidFill>
-                  <a:schemeClr val="tx2"/>
-                </a:solidFill>
-              </a:rPr>
-              <a:t>3. El </a:t>
-            </a:r>
-            <a:r>
-              <a:rPr lang="es-MX" sz="1600" dirty="0">
-                <a:solidFill>
-                  <a:schemeClr val="tx2"/>
-                </a:solidFill>
-              </a:rPr>
-              <a:t>domicilio completo;</a:t>
-            </a:r>
-          </a:p>
-          <a:p>
-            <a:pPr marL="19050" lvl="0" indent="0" algn="just">
-              <a:buNone/>
-            </a:pPr>
-            <a:r>
-              <a:rPr lang="es-MX" sz="1600" dirty="0" smtClean="0">
-                <a:solidFill>
-                  <a:schemeClr val="tx2"/>
-                </a:solidFill>
-              </a:rPr>
-              <a:t>4. </a:t>
-            </a:r>
-            <a:r>
-              <a:rPr lang="es-MX" sz="1600" dirty="0">
-                <a:solidFill>
-                  <a:schemeClr val="tx2"/>
-                </a:solidFill>
-              </a:rPr>
-              <a:t>El </a:t>
-            </a:r>
-            <a:r>
-              <a:rPr lang="es-MX" sz="1600" dirty="0" smtClean="0">
-                <a:solidFill>
-                  <a:schemeClr val="tx2"/>
-                </a:solidFill>
-              </a:rPr>
-              <a:t>teléfono</a:t>
-            </a:r>
-            <a:endParaRPr lang="es-MX" sz="1600" dirty="0">
-              <a:solidFill>
-                <a:schemeClr val="tx2"/>
-              </a:solidFill>
-            </a:endParaRPr>
-          </a:p>
-          <a:p>
-            <a:pPr marL="19050" lvl="0" indent="0" algn="just">
-              <a:buNone/>
-            </a:pPr>
-            <a:r>
-              <a:rPr lang="es-MX" sz="1600" dirty="0" smtClean="0">
-                <a:solidFill>
-                  <a:schemeClr val="tx2"/>
-                </a:solidFill>
-              </a:rPr>
-              <a:t>5. </a:t>
-            </a:r>
-            <a:r>
-              <a:rPr lang="es-MX" sz="1600" dirty="0">
-                <a:solidFill>
-                  <a:schemeClr val="tx2"/>
-                </a:solidFill>
-              </a:rPr>
-              <a:t>La actividad </a:t>
-            </a:r>
-            <a:r>
-              <a:rPr lang="es-MX" sz="1600" dirty="0" smtClean="0">
-                <a:solidFill>
-                  <a:schemeClr val="tx2"/>
-                </a:solidFill>
-              </a:rPr>
-              <a:t>principal</a:t>
-            </a:r>
-            <a:endParaRPr lang="es-MX" sz="1600" dirty="0">
-              <a:solidFill>
-                <a:schemeClr val="tx2"/>
-              </a:solidFill>
-            </a:endParaRPr>
-          </a:p>
-        </p:txBody>
-      </p:sp>
-      <p:sp>
-        <p:nvSpPr>
-          <p:cNvPr id="10" name="CuadroTexto 9"/>
-          <p:cNvSpPr txBox="1"/>
-          <p:nvPr/>
-        </p:nvSpPr>
-        <p:spPr>
-          <a:xfrm>
-            <a:off x="4969668" y="2643695"/>
-            <a:ext cx="3048000" cy="1815882"/>
-          </a:xfrm>
-          <a:prstGeom prst="rect">
-            <a:avLst/>
-          </a:prstGeom>
-          <a:solidFill>
-            <a:schemeClr val="accent1">
-              <a:lumMod val="40000"/>
-              <a:lumOff val="60000"/>
-            </a:schemeClr>
-          </a:solidFill>
-        </p:spPr>
-        <p:txBody>
-          <a:bodyPr wrap="square" rtlCol="0">
-            <a:spAutoFit/>
-          </a:bodyPr>
-          <a:lstStyle/>
-          <a:p>
-            <a:pPr marL="19050" lvl="0" indent="0" algn="just">
-              <a:buNone/>
-            </a:pPr>
-            <a:r>
-              <a:rPr lang="es-MX" sz="1600" dirty="0" smtClean="0">
-                <a:solidFill>
-                  <a:schemeClr val="tx2"/>
-                </a:solidFill>
-              </a:rPr>
-              <a:t>1. </a:t>
-            </a:r>
-            <a:r>
-              <a:rPr lang="es-MX" sz="1600" dirty="0">
-                <a:solidFill>
-                  <a:schemeClr val="tx2"/>
-                </a:solidFill>
-              </a:rPr>
-              <a:t>El nombre, denominación o razón </a:t>
-            </a:r>
-            <a:r>
-              <a:rPr lang="es-MX" sz="1600" dirty="0" smtClean="0">
-                <a:solidFill>
-                  <a:schemeClr val="tx2"/>
-                </a:solidFill>
-              </a:rPr>
-              <a:t>social</a:t>
-            </a:r>
-            <a:endParaRPr lang="es-MX" sz="1600" dirty="0">
-              <a:solidFill>
-                <a:schemeClr val="tx2"/>
-              </a:solidFill>
-            </a:endParaRPr>
-          </a:p>
-          <a:p>
-            <a:pPr marL="19050" lvl="0" indent="0" algn="just">
-              <a:buNone/>
-            </a:pPr>
-            <a:r>
-              <a:rPr lang="es-MX" sz="1600" dirty="0" smtClean="0">
-                <a:solidFill>
-                  <a:schemeClr val="tx2"/>
-                </a:solidFill>
-              </a:rPr>
-              <a:t>2. El </a:t>
-            </a:r>
-            <a:r>
-              <a:rPr lang="es-MX" sz="1600" dirty="0">
-                <a:solidFill>
-                  <a:schemeClr val="tx2"/>
-                </a:solidFill>
-              </a:rPr>
-              <a:t>número de </a:t>
-            </a:r>
-            <a:r>
-              <a:rPr lang="es-MX" sz="1600" dirty="0" smtClean="0">
-                <a:solidFill>
-                  <a:schemeClr val="tx2"/>
-                </a:solidFill>
-              </a:rPr>
-              <a:t>acreditación</a:t>
-            </a:r>
-            <a:endParaRPr lang="es-MX" sz="1600" dirty="0">
-              <a:solidFill>
-                <a:schemeClr val="tx2"/>
-              </a:solidFill>
-            </a:endParaRPr>
-          </a:p>
-          <a:p>
-            <a:pPr marL="19050" lvl="0" indent="0" algn="just">
-              <a:buNone/>
-            </a:pPr>
-            <a:r>
-              <a:rPr lang="es-MX" sz="1600" dirty="0" smtClean="0">
-                <a:solidFill>
-                  <a:schemeClr val="tx2"/>
-                </a:solidFill>
-              </a:rPr>
-              <a:t>3. El </a:t>
-            </a:r>
-            <a:r>
-              <a:rPr lang="es-MX" sz="1600" dirty="0">
-                <a:solidFill>
-                  <a:schemeClr val="tx2"/>
-                </a:solidFill>
-              </a:rPr>
-              <a:t>número de aprobación otorgado por la S</a:t>
-            </a:r>
-            <a:r>
-              <a:rPr lang="es-MX" sz="1600" dirty="0" smtClean="0">
-                <a:solidFill>
-                  <a:schemeClr val="tx2"/>
-                </a:solidFill>
-              </a:rPr>
-              <a:t>ecretaría </a:t>
-            </a:r>
-            <a:r>
-              <a:rPr lang="es-MX" sz="1600" dirty="0">
-                <a:solidFill>
-                  <a:schemeClr val="tx2"/>
-                </a:solidFill>
-              </a:rPr>
-              <a:t>del Trabajo y Previsión </a:t>
-            </a:r>
-            <a:r>
-              <a:rPr lang="es-MX" sz="1600" dirty="0" smtClean="0">
-                <a:solidFill>
-                  <a:schemeClr val="tx2"/>
-                </a:solidFill>
-              </a:rPr>
-              <a:t>Social</a:t>
-            </a:r>
-          </a:p>
-          <a:p>
-            <a:pPr marL="19050" lvl="0" indent="0" algn="just">
-              <a:buNone/>
-            </a:pPr>
-            <a:r>
-              <a:rPr lang="es-MX" sz="1600" dirty="0" smtClean="0">
-                <a:solidFill>
-                  <a:schemeClr val="tx2"/>
-                </a:solidFill>
-              </a:rPr>
-              <a:t>4. </a:t>
-            </a:r>
-            <a:r>
-              <a:rPr lang="es-MX" sz="1600" dirty="0">
-                <a:solidFill>
-                  <a:schemeClr val="tx2"/>
-                </a:solidFill>
-              </a:rPr>
-              <a:t>Su domicilio </a:t>
-            </a:r>
-            <a:r>
-              <a:rPr lang="es-MX" sz="1600" dirty="0" smtClean="0">
-                <a:solidFill>
-                  <a:schemeClr val="tx2"/>
-                </a:solidFill>
-              </a:rPr>
-              <a:t>completo</a:t>
-            </a:r>
-            <a:endParaRPr lang="es-MX" sz="1600" dirty="0">
-              <a:solidFill>
-                <a:schemeClr val="tx2"/>
-              </a:solidFill>
-            </a:endParaRPr>
-          </a:p>
-        </p:txBody>
-      </p:sp>
-      <p:sp>
-        <p:nvSpPr>
-          <p:cNvPr id="11" name="CuadroTexto 10"/>
-          <p:cNvSpPr txBox="1"/>
-          <p:nvPr/>
-        </p:nvSpPr>
-        <p:spPr>
-          <a:xfrm>
-            <a:off x="573879" y="1877615"/>
-            <a:ext cx="3186114" cy="851297"/>
-          </a:xfrm>
-          <a:prstGeom prst="roundRect">
-            <a:avLst/>
-          </a:prstGeom>
-          <a:solidFill>
-            <a:schemeClr val="tx1">
-              <a:lumMod val="20000"/>
-              <a:lumOff val="80000"/>
-            </a:schemeClr>
-          </a:solidFill>
-          <a:ln w="38100">
-            <a:solidFill>
-              <a:schemeClr val="accent1"/>
-            </a:solidFill>
-          </a:ln>
-        </p:spPr>
-        <p:txBody>
-          <a:bodyPr wrap="square" rtlCol="0">
-            <a:spAutoFit/>
-          </a:bodyPr>
-          <a:lstStyle/>
-          <a:p>
-            <a:pPr algn="ctr"/>
-            <a:r>
-              <a:rPr lang="es-MX" sz="2200" b="1" dirty="0" smtClean="0">
-                <a:solidFill>
-                  <a:schemeClr val="tx1">
-                    <a:lumMod val="75000"/>
-                  </a:schemeClr>
-                </a:solidFill>
-              </a:rPr>
-              <a:t>Datos del centro de trabajo verificado</a:t>
-            </a:r>
-            <a:endParaRPr lang="es-MX" sz="2200" b="1" dirty="0">
-              <a:solidFill>
-                <a:schemeClr val="tx1">
-                  <a:lumMod val="75000"/>
-                </a:schemeClr>
-              </a:solidFill>
-            </a:endParaRPr>
-          </a:p>
-        </p:txBody>
-      </p:sp>
-      <p:sp>
-        <p:nvSpPr>
-          <p:cNvPr id="12" name="CuadroTexto 11"/>
-          <p:cNvSpPr txBox="1"/>
-          <p:nvPr/>
-        </p:nvSpPr>
-        <p:spPr>
-          <a:xfrm>
-            <a:off x="4804171" y="1859873"/>
-            <a:ext cx="3378995" cy="817245"/>
-          </a:xfrm>
-          <a:prstGeom prst="roundRect">
-            <a:avLst/>
-          </a:prstGeom>
-          <a:solidFill>
-            <a:schemeClr val="tx1">
-              <a:lumMod val="20000"/>
-              <a:lumOff val="80000"/>
-            </a:schemeClr>
-          </a:solidFill>
-          <a:ln w="38100">
-            <a:solidFill>
-              <a:schemeClr val="accent1"/>
-            </a:solidFill>
-          </a:ln>
-        </p:spPr>
-        <p:txBody>
-          <a:bodyPr wrap="square" rtlCol="0">
-            <a:spAutoFit/>
-          </a:bodyPr>
-          <a:lstStyle/>
-          <a:p>
-            <a:pPr algn="ctr"/>
-            <a:r>
-              <a:rPr lang="es-MX" sz="2100" b="1" dirty="0" smtClean="0">
-                <a:solidFill>
-                  <a:schemeClr val="tx1">
-                    <a:lumMod val="75000"/>
-                  </a:schemeClr>
-                </a:solidFill>
-              </a:rPr>
-              <a:t>Datos de la unidad de verificación</a:t>
-            </a:r>
-            <a:endParaRPr lang="es-MX" sz="2100" b="1" dirty="0">
-              <a:solidFill>
-                <a:schemeClr val="tx1">
-                  <a:lumMod val="75000"/>
-                </a:schemeClr>
-              </a:solidFill>
-            </a:endParaRPr>
-          </a:p>
-        </p:txBody>
-      </p:sp>
-    </p:spTree>
-    <p:extLst>
-      <p:ext uri="{BB962C8B-B14F-4D97-AF65-F5344CB8AC3E}">
-        <p14:creationId xmlns:p14="http://schemas.microsoft.com/office/powerpoint/2010/main" val="3543725579"/>
-      </p:ext>
-    </p:extLst>
-  </p:cSld>
-  <p:clrMapOvr>
-    <a:masterClrMapping/>
-  </p:clrMapOvr>
-  <p:timing>
-    <p:tnLst>
-      <p:par>
-        <p:cTn id="1" dur="indefinite" restart="never" nodeType="tmRoot"/>
-      </p:par>
-    </p:tnLst>
-  </p:timing>
-</p:sld>
-</file>
-
-<file path=ppt/slides/slide64.xml><?xml version="1.0" encoding="utf-8"?>
-<p:sld xmlns:a="http://schemas.openxmlformats.org/drawingml/2006/main" xmlns:r="http://schemas.openxmlformats.org/officeDocument/2006/relationships" xmlns:p="http://schemas.openxmlformats.org/presentationml/2006/main">
-  <p:cSld>
-    <p:bg>
-      <p:bgPr>
-        <a:blipFill dpi="0" rotWithShape="1">
-          <a:blip r:embed="rId2">
-            <a:lum/>
-          </a:blip>
-          <a:srcRect/>
-          <a:stretch>
-            <a:fillRect/>
-          </a:stretch>
-        </a:blipFill>
-        <a:effectLst/>
-      </p:bgPr>
-    </p:bg>
-    <p:spTree>
-      <p:nvGrpSpPr>
-        <p:cNvPr id="1" name=""/>
-        <p:cNvGrpSpPr/>
-        <p:nvPr/>
-      </p:nvGrpSpPr>
-      <p:grpSpPr>
-        <a:xfrm>
-          <a:off x="0" y="0"/>
-          <a:ext cx="0" cy="0"/>
-          <a:chOff x="0" y="0"/>
-          <a:chExt cx="0" cy="0"/>
-        </a:xfrm>
-      </p:grpSpPr>
-      <p:sp>
-        <p:nvSpPr>
-          <p:cNvPr id="4" name="Marcador de contenido 2"/>
-          <p:cNvSpPr>
-            <a:spLocks noGrp="1"/>
-          </p:cNvSpPr>
-          <p:nvPr>
-            <p:ph idx="1"/>
-          </p:nvPr>
-        </p:nvSpPr>
-        <p:spPr>
-          <a:xfrm>
-            <a:off x="457200" y="2343150"/>
-            <a:ext cx="8229600" cy="2632472"/>
-          </a:xfrm>
-        </p:spPr>
-        <p:txBody>
-          <a:bodyPr>
-            <a:normAutofit/>
-          </a:bodyPr>
-          <a:lstStyle/>
-          <a:p>
-            <a:pPr marL="19050" lvl="0" indent="0" algn="just">
-              <a:buNone/>
-            </a:pPr>
-            <a:endParaRPr lang="es-ES" dirty="0">
-              <a:solidFill>
-                <a:schemeClr val="accent2">
-                  <a:lumMod val="50000"/>
-                </a:schemeClr>
-              </a:solidFill>
-            </a:endParaRPr>
-          </a:p>
-          <a:p>
-            <a:pPr marL="19050" lvl="0" indent="0" algn="just">
-              <a:buNone/>
-            </a:pPr>
-            <a:r>
-              <a:rPr lang="es-ES" dirty="0" smtClean="0">
-                <a:solidFill>
-                  <a:schemeClr val="bg1"/>
-                </a:solidFill>
-              </a:rPr>
-              <a:t>En la </a:t>
-            </a:r>
-            <a:r>
-              <a:rPr lang="en" b="1" i="1" dirty="0" smtClean="0">
-                <a:solidFill>
-                  <a:schemeClr val="bg1"/>
-                </a:solidFill>
-              </a:rPr>
-              <a:t>NOM-035-STPS-2018</a:t>
-            </a:r>
-            <a:r>
-              <a:rPr lang="es-ES" dirty="0" smtClean="0">
-                <a:solidFill>
-                  <a:schemeClr val="bg1"/>
-                </a:solidFill>
-              </a:rPr>
-              <a:t> se vierten algunas sugerencias sobre la identificación y el tratamiento de los FRP en vías de promover un entorno laboral favorable.</a:t>
-            </a:r>
-            <a:endParaRPr lang="es-ES" sz="2400" dirty="0" smtClean="0">
-              <a:solidFill>
-                <a:schemeClr val="bg1"/>
-              </a:solidFill>
-              <a:hlinkClick r:id="rId3">
-                <a:extLst>
-                  <a:ext uri="{A12FA001-AC4F-418D-AE19-62706E023703}">
-                    <ahyp:hlinkClr xmlns="" xmlns:ahyp="http://schemas.microsoft.com/office/drawing/2018/hyperlinkcolor" xmlns:lc="http://schemas.openxmlformats.org/drawingml/2006/lockedCanvas" val="tx"/>
-                  </a:ext>
-                </a:extLst>
-              </a:hlinkClick>
-            </a:endParaRPr>
-          </a:p>
-          <a:p>
-            <a:pPr marL="0" indent="0">
-              <a:buNone/>
-            </a:pPr>
-            <a:endParaRPr lang="es-MX" dirty="0"/>
-          </a:p>
-        </p:txBody>
-      </p:sp>
-      <p:sp>
-        <p:nvSpPr>
-          <p:cNvPr id="3" name="Título 2"/>
-          <p:cNvSpPr>
-            <a:spLocks noGrp="1"/>
-          </p:cNvSpPr>
-          <p:nvPr>
-            <p:ph type="title"/>
-          </p:nvPr>
-        </p:nvSpPr>
-        <p:spPr/>
-        <p:txBody>
-          <a:bodyPr>
-            <a:normAutofit fontScale="90000"/>
-          </a:bodyPr>
-          <a:lstStyle/>
-          <a:p>
-            <a:r>
-              <a:rPr lang="es-MX" dirty="0" smtClean="0"/>
-              <a:t/>
-            </a:r>
-            <a:br>
-              <a:rPr lang="es-MX" dirty="0" smtClean="0"/>
-            </a:br>
-            <a:endParaRPr lang="es-MX" dirty="0"/>
-          </a:p>
-        </p:txBody>
-      </p:sp>
-      <p:sp>
-        <p:nvSpPr>
-          <p:cNvPr id="5" name="Marcador de contenido 2"/>
-          <p:cNvSpPr txBox="1">
-            <a:spLocks/>
-          </p:cNvSpPr>
-          <p:nvPr/>
-        </p:nvSpPr>
-        <p:spPr>
-          <a:xfrm>
-            <a:off x="228600" y="919164"/>
-            <a:ext cx="8229600" cy="2632472"/>
-          </a:xfrm>
-          <a:prstGeom prst="rect">
-            <a:avLst/>
-          </a:prstGeom>
-        </p:spPr>
-        <p:txBody>
-          <a:bodyPr vert="horz" lIns="91440" tIns="45720" rIns="91440" bIns="45720" rtlCol="0">
-            <a:noAutofit/>
-          </a:bodyPr>
-          <a:lstStyle>
-            <a:lvl1pPr marL="342900" indent="-342900" algn="l" defTabSz="914400" rtl="0" eaLnBrk="1" latinLnBrk="0" hangingPunct="1">
-              <a:spcBef>
-                <a:spcPct val="20000"/>
-              </a:spcBef>
-              <a:buFont typeface="Arial" panose="020B0604020202020204" pitchFamily="34" charset="0"/>
-              <a:buChar char="•"/>
-              <a:defRPr sz="3200" kern="1200">
-                <a:solidFill>
-                  <a:schemeClr val="tx1"/>
-                </a:solidFill>
-                <a:latin typeface="+mn-lt"/>
-                <a:ea typeface="+mn-ea"/>
-                <a:cs typeface="+mn-cs"/>
-              </a:defRPr>
-            </a:lvl1pPr>
-            <a:lvl2pPr marL="742950" indent="-285750" algn="l" defTabSz="914400" rtl="0" eaLnBrk="1" latinLnBrk="0" hangingPunct="1">
-              <a:spcBef>
-                <a:spcPct val="20000"/>
-              </a:spcBef>
-              <a:buFont typeface="Arial" panose="020B0604020202020204" pitchFamily="34" charset="0"/>
-              <a:buChar char="–"/>
-              <a:defRPr sz="2800" kern="1200">
-                <a:solidFill>
-                  <a:schemeClr val="tx1"/>
-                </a:solidFill>
-                <a:latin typeface="+mn-lt"/>
-                <a:ea typeface="+mn-ea"/>
-                <a:cs typeface="+mn-cs"/>
-              </a:defRPr>
-            </a:lvl2pPr>
-            <a:lvl3pPr marL="1143000" indent="-228600" algn="l" defTabSz="914400" rtl="0" eaLnBrk="1" latinLnBrk="0" hangingPunct="1">
-              <a:spcBef>
-                <a:spcPct val="20000"/>
-              </a:spcBef>
-              <a:buFont typeface="Arial" panose="020B0604020202020204" pitchFamily="34" charset="0"/>
-              <a:buChar char="•"/>
-              <a:defRPr sz="2400" kern="1200">
-                <a:solidFill>
-                  <a:schemeClr val="tx1"/>
-                </a:solidFill>
-                <a:latin typeface="+mn-lt"/>
-                <a:ea typeface="+mn-ea"/>
-                <a:cs typeface="+mn-cs"/>
-              </a:defRPr>
-            </a:lvl3pPr>
-            <a:lvl4pPr marL="1600200" indent="-228600" algn="l" defTabSz="914400" rtl="0" eaLnBrk="1" latinLnBrk="0" hangingPunct="1">
-              <a:spcBef>
-                <a:spcPct val="20000"/>
-              </a:spcBef>
-              <a:buFont typeface="Arial" panose="020B0604020202020204" pitchFamily="34" charset="0"/>
-              <a:buChar char="–"/>
-              <a:defRPr sz="2000" kern="1200">
-                <a:solidFill>
-                  <a:schemeClr val="tx1"/>
-                </a:solidFill>
-                <a:latin typeface="+mn-lt"/>
-                <a:ea typeface="+mn-ea"/>
-                <a:cs typeface="+mn-cs"/>
-              </a:defRPr>
-            </a:lvl4pPr>
-            <a:lvl5pPr marL="2057400" indent="-228600" algn="l" defTabSz="914400" rtl="0" eaLnBrk="1" latinLnBrk="0" hangingPunct="1">
-              <a:spcBef>
-                <a:spcPct val="20000"/>
-              </a:spcBef>
-              <a:buFont typeface="Arial" panose="020B0604020202020204" pitchFamily="34" charset="0"/>
-              <a:buChar char="»"/>
-              <a:defRPr sz="2000" kern="1200">
-                <a:solidFill>
-                  <a:schemeClr val="tx1"/>
-                </a:solidFill>
-                <a:latin typeface="+mn-lt"/>
-                <a:ea typeface="+mn-ea"/>
-                <a:cs typeface="+mn-cs"/>
-              </a:defRPr>
-            </a:lvl5pPr>
-            <a:lvl6pPr marL="2514600" indent="-228600" algn="l" defTabSz="914400" rtl="0" eaLnBrk="1" latinLnBrk="0" hangingPunct="1">
-              <a:spcBef>
-                <a:spcPct val="20000"/>
-              </a:spcBef>
-              <a:buFont typeface="Arial" panose="020B0604020202020204" pitchFamily="34" charset="0"/>
-              <a:buChar char="•"/>
-              <a:defRPr sz="2000" kern="1200">
-                <a:solidFill>
-                  <a:schemeClr val="tx1"/>
-                </a:solidFill>
-                <a:latin typeface="+mn-lt"/>
-                <a:ea typeface="+mn-ea"/>
-                <a:cs typeface="+mn-cs"/>
-              </a:defRPr>
-            </a:lvl6pPr>
-            <a:lvl7pPr marL="2971800" indent="-228600" algn="l" defTabSz="914400" rtl="0" eaLnBrk="1" latinLnBrk="0" hangingPunct="1">
-              <a:spcBef>
-                <a:spcPct val="20000"/>
-              </a:spcBef>
-              <a:buFont typeface="Arial" panose="020B0604020202020204" pitchFamily="34" charset="0"/>
-              <a:buChar char="•"/>
-              <a:defRPr sz="2000" kern="1200">
-                <a:solidFill>
-                  <a:schemeClr val="tx1"/>
-                </a:solidFill>
-                <a:latin typeface="+mn-lt"/>
-                <a:ea typeface="+mn-ea"/>
-                <a:cs typeface="+mn-cs"/>
-              </a:defRPr>
-            </a:lvl7pPr>
-            <a:lvl8pPr marL="3429000" indent="-228600" algn="l" defTabSz="914400" rtl="0" eaLnBrk="1" latinLnBrk="0" hangingPunct="1">
-              <a:spcBef>
-                <a:spcPct val="20000"/>
-              </a:spcBef>
-              <a:buFont typeface="Arial" panose="020B0604020202020204" pitchFamily="34" charset="0"/>
-              <a:buChar char="•"/>
-              <a:defRPr sz="2000" kern="1200">
-                <a:solidFill>
-                  <a:schemeClr val="tx1"/>
-                </a:solidFill>
-                <a:latin typeface="+mn-lt"/>
-                <a:ea typeface="+mn-ea"/>
-                <a:cs typeface="+mn-cs"/>
-              </a:defRPr>
-            </a:lvl8pPr>
-            <a:lvl9pPr marL="3886200" indent="-228600" algn="l" defTabSz="914400" rtl="0" eaLnBrk="1" latinLnBrk="0" hangingPunct="1">
-              <a:spcBef>
-                <a:spcPct val="20000"/>
-              </a:spcBef>
-              <a:buFont typeface="Arial" panose="020B0604020202020204" pitchFamily="34" charset="0"/>
-              <a:buChar char="•"/>
-              <a:defRPr sz="2000" kern="1200">
-                <a:solidFill>
-                  <a:schemeClr val="tx1"/>
-                </a:solidFill>
-                <a:latin typeface="+mn-lt"/>
-                <a:ea typeface="+mn-ea"/>
-                <a:cs typeface="+mn-cs"/>
-              </a:defRPr>
-            </a:lvl9pPr>
-          </a:lstStyle>
-          <a:p>
-            <a:pPr marL="19050" indent="0" algn="just">
-              <a:buFont typeface="Arial" panose="020B0604020202020204" pitchFamily="34" charset="0"/>
-              <a:buNone/>
-            </a:pPr>
-            <a:r>
-              <a:rPr lang="es-MX" sz="2000" smtClean="0">
-                <a:solidFill>
-                  <a:schemeClr val="tx2">
-                    <a:lumMod val="50000"/>
-                  </a:schemeClr>
-                </a:solidFill>
-              </a:rPr>
-              <a:t>Al evaluar el cumplimiento de la NOM-035-STPS, las unidades de verificación acreditadas deberán emitir un dictamen que contenga:</a:t>
-            </a:r>
-          </a:p>
-          <a:p>
-            <a:pPr marL="19050" indent="0" algn="just">
-              <a:buFont typeface="Arial" panose="020B0604020202020204" pitchFamily="34" charset="0"/>
-              <a:buNone/>
-            </a:pPr>
-            <a:r>
-              <a:rPr lang="es-MX" sz="2000" smtClean="0">
-                <a:solidFill>
-                  <a:schemeClr val="accent2">
-                    <a:lumMod val="50000"/>
-                  </a:schemeClr>
-                </a:solidFill>
-              </a:rPr>
-              <a:t>						</a:t>
-            </a:r>
-            <a:endParaRPr lang="es-MX" sz="2000" dirty="0"/>
-          </a:p>
-        </p:txBody>
-      </p:sp>
-      <p:sp>
-        <p:nvSpPr>
-          <p:cNvPr id="6" name="Título 1"/>
-          <p:cNvSpPr txBox="1">
-            <a:spLocks/>
-          </p:cNvSpPr>
-          <p:nvPr/>
-        </p:nvSpPr>
-        <p:spPr>
-          <a:xfrm>
-            <a:off x="435769" y="32744"/>
-            <a:ext cx="8229600" cy="857250"/>
-          </a:xfrm>
-          <a:prstGeom prst="rect">
-            <a:avLst/>
-          </a:prstGeom>
-        </p:spPr>
-        <p:txBody>
-          <a:bodyPr vert="horz" lIns="91440" tIns="45720" rIns="91440" bIns="45720" rtlCol="0" anchor="ctr">
-            <a:normAutofit/>
-          </a:bodyPr>
-          <a:lstStyle>
-            <a:lvl1pPr algn="ctr" defTabSz="914400" rtl="0" eaLnBrk="1" latinLnBrk="0" hangingPunct="1">
-              <a:spcBef>
-                <a:spcPct val="0"/>
-              </a:spcBef>
-              <a:buNone/>
-              <a:defRPr sz="4400" kern="1200">
-                <a:solidFill>
-                  <a:schemeClr val="tx1"/>
-                </a:solidFill>
-                <a:latin typeface="+mj-lt"/>
-                <a:ea typeface="+mj-ea"/>
-                <a:cs typeface="+mj-cs"/>
-              </a:defRPr>
-            </a:lvl1pPr>
-          </a:lstStyle>
-          <a:p>
-            <a:r>
-              <a:rPr lang="es-MX" dirty="0" smtClean="0"/>
-              <a:t>Dictamen de acreditación</a:t>
-            </a:r>
-            <a:endParaRPr lang="es-MX" dirty="0"/>
-          </a:p>
-        </p:txBody>
-      </p:sp>
-      <p:sp>
-        <p:nvSpPr>
-          <p:cNvPr id="7" name="Rectángulo redondeado 6"/>
-          <p:cNvSpPr/>
-          <p:nvPr/>
-        </p:nvSpPr>
-        <p:spPr>
-          <a:xfrm>
-            <a:off x="257175" y="1733550"/>
-            <a:ext cx="3705226" cy="2971800"/>
-          </a:xfrm>
-          <a:prstGeom prst="roundRect">
-            <a:avLst/>
-          </a:prstGeom>
-        </p:spPr>
-        <p:style>
-          <a:lnRef idx="2">
-            <a:schemeClr val="accent1">
-              <a:shade val="50000"/>
-            </a:schemeClr>
-          </a:lnRef>
-          <a:fillRef idx="1">
-            <a:schemeClr val="accent1"/>
-          </a:fillRef>
-          <a:effectRef idx="0">
-            <a:schemeClr val="accent1"/>
-          </a:effectRef>
-          <a:fontRef idx="minor">
-            <a:schemeClr val="lt1"/>
-          </a:fontRef>
-        </p:style>
-        <p:txBody>
-          <a:bodyPr rtlCol="0" anchor="ctr"/>
-          <a:lstStyle/>
-          <a:p>
-            <a:pPr algn="ctr"/>
-            <a:endParaRPr lang="es-MX"/>
-          </a:p>
-        </p:txBody>
-      </p:sp>
-      <p:sp>
-        <p:nvSpPr>
-          <p:cNvPr id="8" name="Rectángulo redondeado 7"/>
-          <p:cNvSpPr/>
-          <p:nvPr/>
-        </p:nvSpPr>
-        <p:spPr>
-          <a:xfrm>
-            <a:off x="4550569" y="1733550"/>
-            <a:ext cx="3886200" cy="2971800"/>
-          </a:xfrm>
-          <a:prstGeom prst="roundRect">
-            <a:avLst/>
-          </a:prstGeom>
-        </p:spPr>
-        <p:style>
-          <a:lnRef idx="2">
-            <a:schemeClr val="accent1">
-              <a:shade val="50000"/>
-            </a:schemeClr>
-          </a:lnRef>
-          <a:fillRef idx="1">
-            <a:schemeClr val="accent1"/>
-          </a:fillRef>
-          <a:effectRef idx="0">
-            <a:schemeClr val="accent1"/>
-          </a:effectRef>
-          <a:fontRef idx="minor">
-            <a:schemeClr val="lt1"/>
-          </a:fontRef>
-        </p:style>
-        <p:txBody>
-          <a:bodyPr rtlCol="0" anchor="ctr"/>
-          <a:lstStyle/>
-          <a:p>
-            <a:pPr algn="ctr"/>
-            <a:endParaRPr lang="es-MX"/>
-          </a:p>
-        </p:txBody>
-      </p:sp>
-      <p:sp>
-        <p:nvSpPr>
-          <p:cNvPr id="9" name="CuadroTexto 8"/>
-          <p:cNvSpPr txBox="1"/>
-          <p:nvPr/>
-        </p:nvSpPr>
-        <p:spPr>
-          <a:xfrm>
-            <a:off x="553639" y="2323978"/>
-            <a:ext cx="3226593" cy="2308324"/>
-          </a:xfrm>
-          <a:prstGeom prst="rect">
-            <a:avLst/>
-          </a:prstGeom>
-          <a:solidFill>
-            <a:schemeClr val="accent1">
-              <a:lumMod val="40000"/>
-              <a:lumOff val="60000"/>
-            </a:schemeClr>
-          </a:solidFill>
-        </p:spPr>
-        <p:txBody>
-          <a:bodyPr wrap="square" rtlCol="0">
-            <a:spAutoFit/>
-          </a:bodyPr>
-          <a:lstStyle/>
-          <a:p>
-            <a:pPr marL="19050" lvl="0" indent="0" algn="just">
-              <a:buNone/>
-            </a:pPr>
-            <a:r>
-              <a:rPr lang="es-MX" sz="1600" dirty="0" smtClean="0">
-                <a:solidFill>
-                  <a:schemeClr val="accent2">
-                    <a:lumMod val="50000"/>
-                  </a:schemeClr>
-                </a:solidFill>
-              </a:rPr>
-              <a:t>1. Clave </a:t>
-            </a:r>
-            <a:r>
-              <a:rPr lang="es-MX" sz="1600" dirty="0">
-                <a:solidFill>
-                  <a:schemeClr val="accent2">
-                    <a:lumMod val="50000"/>
-                  </a:schemeClr>
-                </a:solidFill>
-              </a:rPr>
-              <a:t>y nombre de la </a:t>
-            </a:r>
-            <a:r>
-              <a:rPr lang="es-MX" sz="1600" dirty="0" smtClean="0">
-                <a:solidFill>
-                  <a:schemeClr val="accent2">
-                    <a:lumMod val="50000"/>
-                  </a:schemeClr>
-                </a:solidFill>
-              </a:rPr>
-              <a:t>norma</a:t>
-            </a:r>
-            <a:endParaRPr lang="es-MX" sz="1600" dirty="0">
-              <a:solidFill>
-                <a:schemeClr val="accent2">
-                  <a:lumMod val="50000"/>
-                </a:schemeClr>
-              </a:solidFill>
-            </a:endParaRPr>
-          </a:p>
-          <a:p>
-            <a:pPr marL="19050" lvl="0" indent="0" algn="just">
-              <a:buNone/>
-            </a:pPr>
-            <a:r>
-              <a:rPr lang="es-MX" sz="1600" dirty="0" smtClean="0">
-                <a:solidFill>
-                  <a:schemeClr val="accent2">
-                    <a:lumMod val="50000"/>
-                  </a:schemeClr>
-                </a:solidFill>
-              </a:rPr>
-              <a:t>2. Nombre </a:t>
-            </a:r>
-            <a:r>
-              <a:rPr lang="es-MX" sz="1600" dirty="0">
-                <a:solidFill>
-                  <a:schemeClr val="accent2">
-                    <a:lumMod val="50000"/>
-                  </a:schemeClr>
-                </a:solidFill>
-              </a:rPr>
-              <a:t>del </a:t>
-            </a:r>
-            <a:r>
-              <a:rPr lang="es-MX" sz="1600" dirty="0" smtClean="0">
-                <a:solidFill>
-                  <a:schemeClr val="accent2">
-                    <a:lumMod val="50000"/>
-                  </a:schemeClr>
-                </a:solidFill>
-              </a:rPr>
-              <a:t>verificador</a:t>
-            </a:r>
-            <a:endParaRPr lang="es-MX" sz="1600" dirty="0">
-              <a:solidFill>
-                <a:schemeClr val="accent2">
-                  <a:lumMod val="50000"/>
-                </a:schemeClr>
-              </a:solidFill>
-            </a:endParaRPr>
-          </a:p>
-          <a:p>
-            <a:pPr marL="19050" lvl="0" indent="0" algn="just">
-              <a:buNone/>
-            </a:pPr>
-            <a:r>
-              <a:rPr lang="es-MX" sz="1600" dirty="0" smtClean="0">
-                <a:solidFill>
-                  <a:schemeClr val="accent2">
-                    <a:lumMod val="50000"/>
-                  </a:schemeClr>
-                </a:solidFill>
-              </a:rPr>
-              <a:t>3. Fecha </a:t>
-            </a:r>
-            <a:r>
-              <a:rPr lang="es-MX" sz="1600" dirty="0">
-                <a:solidFill>
-                  <a:schemeClr val="accent2">
-                    <a:lumMod val="50000"/>
-                  </a:schemeClr>
-                </a:solidFill>
-              </a:rPr>
-              <a:t>de </a:t>
-            </a:r>
-            <a:r>
-              <a:rPr lang="es-MX" sz="1600" dirty="0" smtClean="0">
-                <a:solidFill>
-                  <a:schemeClr val="accent2">
-                    <a:lumMod val="50000"/>
-                  </a:schemeClr>
-                </a:solidFill>
-              </a:rPr>
-              <a:t>verificación</a:t>
-            </a:r>
-            <a:endParaRPr lang="es-MX" sz="1600" dirty="0">
-              <a:solidFill>
-                <a:schemeClr val="accent2">
-                  <a:lumMod val="50000"/>
-                </a:schemeClr>
-              </a:solidFill>
-            </a:endParaRPr>
-          </a:p>
-          <a:p>
-            <a:pPr marL="19050" lvl="0" indent="0" algn="just">
-              <a:buNone/>
-            </a:pPr>
-            <a:r>
-              <a:rPr lang="es-MX" sz="1600" dirty="0" smtClean="0">
-                <a:solidFill>
-                  <a:schemeClr val="accent2">
-                    <a:lumMod val="50000"/>
-                  </a:schemeClr>
-                </a:solidFill>
-              </a:rPr>
-              <a:t>4. Número </a:t>
-            </a:r>
-            <a:r>
-              <a:rPr lang="es-MX" sz="1600" dirty="0">
-                <a:solidFill>
-                  <a:schemeClr val="accent2">
-                    <a:lumMod val="50000"/>
-                  </a:schemeClr>
-                </a:solidFill>
-              </a:rPr>
-              <a:t>de </a:t>
-            </a:r>
-            <a:r>
-              <a:rPr lang="es-MX" sz="1600" dirty="0" smtClean="0">
-                <a:solidFill>
-                  <a:schemeClr val="accent2">
-                    <a:lumMod val="50000"/>
-                  </a:schemeClr>
-                </a:solidFill>
-              </a:rPr>
-              <a:t>dictamen</a:t>
-            </a:r>
-            <a:endParaRPr lang="es-MX" sz="1600" dirty="0">
-              <a:solidFill>
-                <a:schemeClr val="accent2">
-                  <a:lumMod val="50000"/>
-                </a:schemeClr>
-              </a:solidFill>
-            </a:endParaRPr>
-          </a:p>
-          <a:p>
-            <a:pPr marL="19050" lvl="0" indent="0" algn="just">
-              <a:buNone/>
-            </a:pPr>
-            <a:r>
-              <a:rPr lang="es-MX" sz="1600" dirty="0" smtClean="0">
-                <a:solidFill>
-                  <a:schemeClr val="accent2">
-                    <a:lumMod val="50000"/>
-                  </a:schemeClr>
-                </a:solidFill>
-              </a:rPr>
-              <a:t>5. Vigencia </a:t>
-            </a:r>
-            <a:r>
-              <a:rPr lang="es-MX" sz="1600" dirty="0">
-                <a:solidFill>
-                  <a:schemeClr val="accent2">
-                    <a:lumMod val="50000"/>
-                  </a:schemeClr>
-                </a:solidFill>
-              </a:rPr>
-              <a:t>del </a:t>
-            </a:r>
-            <a:r>
-              <a:rPr lang="es-MX" sz="1600" dirty="0" smtClean="0">
-                <a:solidFill>
-                  <a:schemeClr val="accent2">
-                    <a:lumMod val="50000"/>
-                  </a:schemeClr>
-                </a:solidFill>
-              </a:rPr>
-              <a:t>dictamen</a:t>
-            </a:r>
-            <a:endParaRPr lang="es-MX" sz="1600" dirty="0">
-              <a:solidFill>
-                <a:schemeClr val="accent2">
-                  <a:lumMod val="50000"/>
-                </a:schemeClr>
-              </a:solidFill>
-            </a:endParaRPr>
-          </a:p>
-          <a:p>
-            <a:pPr marL="19050" lvl="0" indent="0" algn="just">
-              <a:buNone/>
-            </a:pPr>
-            <a:r>
-              <a:rPr lang="es-MX" sz="1600" dirty="0" smtClean="0">
-                <a:solidFill>
-                  <a:schemeClr val="accent2">
-                    <a:lumMod val="50000"/>
-                  </a:schemeClr>
-                </a:solidFill>
-              </a:rPr>
-              <a:t>6. Lugar </a:t>
-            </a:r>
-            <a:r>
-              <a:rPr lang="es-MX" sz="1600" dirty="0">
-                <a:solidFill>
-                  <a:schemeClr val="accent2">
-                    <a:lumMod val="50000"/>
-                  </a:schemeClr>
-                </a:solidFill>
-              </a:rPr>
-              <a:t>de emisión del </a:t>
-            </a:r>
-            <a:r>
-              <a:rPr lang="es-MX" sz="1600" dirty="0" smtClean="0">
-                <a:solidFill>
-                  <a:schemeClr val="accent2">
-                    <a:lumMod val="50000"/>
-                  </a:schemeClr>
-                </a:solidFill>
-              </a:rPr>
-              <a:t>dictamen</a:t>
-            </a:r>
-            <a:endParaRPr lang="es-MX" sz="1600" dirty="0">
-              <a:solidFill>
-                <a:schemeClr val="accent2">
-                  <a:lumMod val="50000"/>
-                </a:schemeClr>
-              </a:solidFill>
-            </a:endParaRPr>
-          </a:p>
-          <a:p>
-            <a:pPr marL="19050" lvl="0" indent="0" algn="just">
-              <a:buNone/>
-            </a:pPr>
-            <a:r>
-              <a:rPr lang="es-MX" sz="1600" dirty="0" smtClean="0">
-                <a:solidFill>
-                  <a:schemeClr val="accent2">
-                    <a:lumMod val="50000"/>
-                  </a:schemeClr>
-                </a:solidFill>
-              </a:rPr>
-              <a:t>7. Fecha </a:t>
-            </a:r>
-            <a:r>
-              <a:rPr lang="es-MX" sz="1600" dirty="0">
-                <a:solidFill>
-                  <a:schemeClr val="accent2">
-                    <a:lumMod val="50000"/>
-                  </a:schemeClr>
-                </a:solidFill>
-              </a:rPr>
-              <a:t>de emisión del </a:t>
-            </a:r>
-            <a:r>
-              <a:rPr lang="es-MX" sz="1600" dirty="0" smtClean="0">
-                <a:solidFill>
-                  <a:schemeClr val="accent2">
-                    <a:lumMod val="50000"/>
-                  </a:schemeClr>
-                </a:solidFill>
-              </a:rPr>
-              <a:t>dictamen</a:t>
-            </a:r>
-            <a:endParaRPr lang="es-MX" sz="1600" dirty="0">
-              <a:solidFill>
-                <a:schemeClr val="accent2">
-                  <a:lumMod val="50000"/>
-                </a:schemeClr>
-              </a:solidFill>
-            </a:endParaRPr>
-          </a:p>
-          <a:p>
-            <a:pPr marL="19050" lvl="0" indent="0" algn="just">
-              <a:buNone/>
-            </a:pPr>
-            <a:r>
-              <a:rPr lang="es-MX" sz="1600" dirty="0" smtClean="0">
-                <a:solidFill>
-                  <a:schemeClr val="accent2">
-                    <a:lumMod val="50000"/>
-                  </a:schemeClr>
-                </a:solidFill>
-              </a:rPr>
-              <a:t>8. Número </a:t>
-            </a:r>
-            <a:r>
-              <a:rPr lang="es-MX" sz="1600" dirty="0">
-                <a:solidFill>
-                  <a:schemeClr val="accent2">
-                    <a:lumMod val="50000"/>
-                  </a:schemeClr>
-                </a:solidFill>
-              </a:rPr>
-              <a:t>de registro del dictamen emitido por la </a:t>
-            </a:r>
-            <a:r>
-              <a:rPr lang="es-MX" sz="1600" dirty="0" smtClean="0">
-                <a:solidFill>
-                  <a:schemeClr val="accent2">
-                    <a:lumMod val="50000"/>
-                  </a:schemeClr>
-                </a:solidFill>
-              </a:rPr>
-              <a:t>STPS</a:t>
-            </a:r>
-            <a:endParaRPr lang="es-MX" sz="1600" dirty="0">
-              <a:solidFill>
-                <a:schemeClr val="accent2">
-                  <a:lumMod val="50000"/>
-                </a:schemeClr>
-              </a:solidFill>
-            </a:endParaRPr>
-          </a:p>
-        </p:txBody>
-      </p:sp>
-      <p:sp>
-        <p:nvSpPr>
-          <p:cNvPr id="10" name="CuadroTexto 9"/>
-          <p:cNvSpPr txBox="1"/>
-          <p:nvPr/>
-        </p:nvSpPr>
-        <p:spPr>
-          <a:xfrm>
-            <a:off x="4969668" y="2643695"/>
-            <a:ext cx="3048000" cy="1569660"/>
-          </a:xfrm>
-          <a:prstGeom prst="rect">
-            <a:avLst/>
-          </a:prstGeom>
-          <a:solidFill>
-            <a:schemeClr val="accent1">
-              <a:lumMod val="40000"/>
-              <a:lumOff val="60000"/>
-            </a:schemeClr>
-          </a:solidFill>
-        </p:spPr>
-        <p:txBody>
-          <a:bodyPr wrap="square" rtlCol="0">
-            <a:spAutoFit/>
-          </a:bodyPr>
-          <a:lstStyle/>
-          <a:p>
-            <a:pPr marL="361950" lvl="0" indent="-342900" algn="just">
-              <a:buAutoNum type="alphaLcParenR"/>
-            </a:pPr>
-            <a:r>
-              <a:rPr lang="es-MX" sz="1600" dirty="0" smtClean="0">
-                <a:solidFill>
-                  <a:schemeClr val="accent2">
-                    <a:lumMod val="50000"/>
-                  </a:schemeClr>
-                </a:solidFill>
-              </a:rPr>
-              <a:t>Métodos propuestos </a:t>
-            </a:r>
-            <a:r>
-              <a:rPr lang="es-MX" sz="1600" dirty="0">
-                <a:solidFill>
-                  <a:schemeClr val="accent2">
-                    <a:lumMod val="50000"/>
-                  </a:schemeClr>
-                </a:solidFill>
-              </a:rPr>
-              <a:t>por las guías de referencia </a:t>
-            </a:r>
-            <a:r>
-              <a:rPr lang="es-MX" sz="1600" dirty="0" smtClean="0">
-                <a:solidFill>
-                  <a:schemeClr val="accent2">
-                    <a:lumMod val="50000"/>
-                  </a:schemeClr>
-                </a:solidFill>
-              </a:rPr>
-              <a:t>de </a:t>
-            </a:r>
-            <a:r>
-              <a:rPr lang="es-MX" sz="1600" dirty="0">
-                <a:solidFill>
-                  <a:schemeClr val="accent2">
-                    <a:lumMod val="50000"/>
-                  </a:schemeClr>
-                </a:solidFill>
-              </a:rPr>
-              <a:t>la </a:t>
-            </a:r>
-            <a:r>
-              <a:rPr lang="es-MX" sz="1600" dirty="0" smtClean="0">
-                <a:solidFill>
-                  <a:schemeClr val="accent2">
-                    <a:lumMod val="50000"/>
-                  </a:schemeClr>
-                </a:solidFill>
-              </a:rPr>
-              <a:t>Norma</a:t>
-            </a:r>
-          </a:p>
-          <a:p>
-            <a:pPr marL="361950" lvl="0" indent="-342900" algn="just">
-              <a:buAutoNum type="alphaLcParenR"/>
-            </a:pPr>
-            <a:r>
-              <a:rPr lang="es-MX" sz="1600" dirty="0">
-                <a:solidFill>
-                  <a:schemeClr val="accent2">
-                    <a:lumMod val="50000"/>
-                  </a:schemeClr>
-                </a:solidFill>
-              </a:rPr>
-              <a:t>M</a:t>
-            </a:r>
-            <a:r>
-              <a:rPr lang="es-MX" sz="1600" dirty="0" smtClean="0">
-                <a:solidFill>
-                  <a:schemeClr val="accent2">
-                    <a:lumMod val="50000"/>
-                  </a:schemeClr>
-                </a:solidFill>
-              </a:rPr>
-              <a:t>étodos </a:t>
-            </a:r>
-            <a:r>
-              <a:rPr lang="es-MX" sz="1600" dirty="0">
-                <a:solidFill>
-                  <a:schemeClr val="accent2">
-                    <a:lumMod val="50000"/>
-                  </a:schemeClr>
-                </a:solidFill>
-              </a:rPr>
-              <a:t>desarrollados por el</a:t>
-            </a:r>
-          </a:p>
-          <a:p>
-            <a:pPr marL="19050" lvl="0" indent="0" algn="just">
-              <a:buNone/>
-            </a:pPr>
-            <a:r>
-              <a:rPr lang="es-MX" sz="1600" dirty="0" smtClean="0">
-                <a:solidFill>
-                  <a:schemeClr val="accent2">
-                    <a:lumMod val="50000"/>
-                  </a:schemeClr>
-                </a:solidFill>
-              </a:rPr>
-              <a:t>       patrón </a:t>
-            </a:r>
-            <a:r>
-              <a:rPr lang="es-MX" sz="1600" dirty="0">
-                <a:solidFill>
-                  <a:schemeClr val="accent2">
-                    <a:lumMod val="50000"/>
-                  </a:schemeClr>
-                </a:solidFill>
-              </a:rPr>
-              <a:t>que cumplan con lo  </a:t>
-            </a:r>
-            <a:r>
-              <a:rPr lang="es-MX" sz="1600" dirty="0" smtClean="0">
-                <a:solidFill>
-                  <a:schemeClr val="accent2">
-                    <a:lumMod val="50000"/>
-                  </a:schemeClr>
-                </a:solidFill>
-              </a:rPr>
-              <a:t>         dispuesto </a:t>
-            </a:r>
-            <a:r>
-              <a:rPr lang="es-MX" sz="1600" dirty="0">
-                <a:solidFill>
-                  <a:schemeClr val="accent2">
-                    <a:lumMod val="50000"/>
-                  </a:schemeClr>
-                </a:solidFill>
-              </a:rPr>
-              <a:t>por </a:t>
-            </a:r>
-            <a:r>
-              <a:rPr lang="es-MX" sz="1600" dirty="0" smtClean="0">
-                <a:solidFill>
-                  <a:schemeClr val="accent2">
-                    <a:lumMod val="50000"/>
-                  </a:schemeClr>
-                </a:solidFill>
-              </a:rPr>
-              <a:t>la Norma</a:t>
-            </a:r>
-            <a:r>
-              <a:rPr lang="es-MX" sz="1600" dirty="0">
-                <a:solidFill>
-                  <a:schemeClr val="accent2">
-                    <a:lumMod val="50000"/>
-                  </a:schemeClr>
-                </a:solidFill>
-              </a:rPr>
-              <a:t>.</a:t>
-            </a:r>
-          </a:p>
-        </p:txBody>
-      </p:sp>
-      <p:sp>
-        <p:nvSpPr>
-          <p:cNvPr id="11" name="CuadroTexto 10"/>
-          <p:cNvSpPr txBox="1"/>
-          <p:nvPr/>
-        </p:nvSpPr>
-        <p:spPr>
-          <a:xfrm>
-            <a:off x="573879" y="1877615"/>
-            <a:ext cx="3186114" cy="476726"/>
-          </a:xfrm>
-          <a:prstGeom prst="roundRect">
-            <a:avLst/>
-          </a:prstGeom>
-          <a:solidFill>
-            <a:schemeClr val="tx1">
-              <a:lumMod val="20000"/>
-              <a:lumOff val="80000"/>
-            </a:schemeClr>
-          </a:solidFill>
-          <a:ln w="38100">
-            <a:solidFill>
-              <a:schemeClr val="accent1"/>
-            </a:solidFill>
-          </a:ln>
-        </p:spPr>
-        <p:txBody>
-          <a:bodyPr wrap="square" rtlCol="0">
-            <a:spAutoFit/>
-          </a:bodyPr>
-          <a:lstStyle/>
-          <a:p>
-            <a:pPr algn="ctr"/>
-            <a:r>
-              <a:rPr lang="es-MX" sz="2200" b="1" dirty="0" smtClean="0">
-                <a:solidFill>
-                  <a:schemeClr val="tx1">
-                    <a:lumMod val="75000"/>
-                  </a:schemeClr>
-                </a:solidFill>
-              </a:rPr>
-              <a:t>Datos del DICTAMEN</a:t>
-            </a:r>
-            <a:endParaRPr lang="es-MX" sz="2200" b="1" dirty="0">
-              <a:solidFill>
-                <a:schemeClr val="tx1">
-                  <a:lumMod val="75000"/>
-                </a:schemeClr>
-              </a:solidFill>
-            </a:endParaRPr>
-          </a:p>
-        </p:txBody>
-      </p:sp>
-      <p:sp>
-        <p:nvSpPr>
-          <p:cNvPr id="12" name="CuadroTexto 11"/>
-          <p:cNvSpPr txBox="1"/>
-          <p:nvPr/>
-        </p:nvSpPr>
-        <p:spPr>
-          <a:xfrm>
-            <a:off x="4804171" y="1859873"/>
-            <a:ext cx="3378995" cy="459700"/>
-          </a:xfrm>
-          <a:prstGeom prst="roundRect">
-            <a:avLst/>
-          </a:prstGeom>
-          <a:solidFill>
-            <a:schemeClr val="tx1">
-              <a:lumMod val="20000"/>
-              <a:lumOff val="80000"/>
-            </a:schemeClr>
-          </a:solidFill>
-          <a:ln w="38100">
-            <a:solidFill>
-              <a:schemeClr val="accent1"/>
-            </a:solidFill>
-          </a:ln>
-        </p:spPr>
-        <p:txBody>
-          <a:bodyPr wrap="square" rtlCol="0">
-            <a:spAutoFit/>
-          </a:bodyPr>
-          <a:lstStyle/>
-          <a:p>
-            <a:pPr algn="ctr"/>
-            <a:r>
-              <a:rPr lang="es-MX" sz="2100" b="1" dirty="0" smtClean="0">
-                <a:solidFill>
-                  <a:schemeClr val="tx1">
-                    <a:lumMod val="75000"/>
-                  </a:schemeClr>
-                </a:solidFill>
-              </a:rPr>
-              <a:t>Método utilizado </a:t>
-            </a:r>
-            <a:endParaRPr lang="es-MX" sz="2100" b="1" dirty="0">
-              <a:solidFill>
-                <a:schemeClr val="tx1">
-                  <a:lumMod val="75000"/>
-                </a:schemeClr>
-              </a:solidFill>
-            </a:endParaRPr>
-          </a:p>
-        </p:txBody>
-      </p:sp>
-    </p:spTree>
-    <p:extLst>
-      <p:ext uri="{BB962C8B-B14F-4D97-AF65-F5344CB8AC3E}">
-        <p14:creationId xmlns:p14="http://schemas.microsoft.com/office/powerpoint/2010/main" val="3566051816"/>
-      </p:ext>
-    </p:extLst>
-  </p:cSld>
-  <p:clrMapOvr>
-    <a:masterClrMapping/>
-  </p:clrMapOvr>
-  <p:timing>
-    <p:tnLst>
-      <p:par>
-        <p:cTn id="1" dur="indefinite" restart="never" nodeType="tmRoot"/>
-      </p:par>
-    </p:tnLst>
-  </p:timing>
-</p:sld>
-</file>
-
-<file path=ppt/slides/slide65.xml><?xml version="1.0" encoding="utf-8"?>
-<p:sld xmlns:a="http://schemas.openxmlformats.org/drawingml/2006/main" xmlns:r="http://schemas.openxmlformats.org/officeDocument/2006/relationships" xmlns:p="http://schemas.openxmlformats.org/presentationml/2006/main">
-  <p:cSld>
-    <p:bg>
-      <p:bgPr>
-        <a:blipFill dpi="0" rotWithShape="1">
-          <a:blip r:embed="rId2">
-            <a:lum/>
-          </a:blip>
-          <a:srcRect/>
-          <a:stretch>
-            <a:fillRect/>
-          </a:stretch>
-        </a:blipFill>
-        <a:effectLst/>
-      </p:bgPr>
-    </p:bg>
-    <p:spTree>
-      <p:nvGrpSpPr>
-        <p:cNvPr id="1" name=""/>
-        <p:cNvGrpSpPr/>
-        <p:nvPr/>
-      </p:nvGrpSpPr>
-      <p:grpSpPr>
-        <a:xfrm>
-          <a:off x="0" y="0"/>
-          <a:ext cx="0" cy="0"/>
-          <a:chOff x="0" y="0"/>
-          <a:chExt cx="0" cy="0"/>
-        </a:xfrm>
-      </p:grpSpPr>
-      <p:sp>
-        <p:nvSpPr>
-          <p:cNvPr id="4" name="Marcador de contenido 2"/>
-          <p:cNvSpPr>
-            <a:spLocks noGrp="1"/>
-          </p:cNvSpPr>
-          <p:nvPr>
-            <p:ph idx="1"/>
-          </p:nvPr>
-        </p:nvSpPr>
-        <p:spPr>
-          <a:xfrm>
-            <a:off x="457200" y="2343150"/>
-            <a:ext cx="8229600" cy="2632472"/>
-          </a:xfrm>
-        </p:spPr>
-        <p:txBody>
-          <a:bodyPr>
-            <a:normAutofit/>
-          </a:bodyPr>
-          <a:lstStyle/>
-          <a:p>
-            <a:pPr marL="19050" lvl="0" indent="0" algn="just">
-              <a:buNone/>
-            </a:pPr>
-            <a:endParaRPr lang="es-ES" dirty="0">
-              <a:solidFill>
-                <a:schemeClr val="accent2">
-                  <a:lumMod val="50000"/>
-                </a:schemeClr>
-              </a:solidFill>
-            </a:endParaRPr>
-          </a:p>
-          <a:p>
-            <a:pPr marL="19050" lvl="0" indent="0" algn="just">
-              <a:buNone/>
-            </a:pPr>
-            <a:r>
-              <a:rPr lang="es-ES" dirty="0" smtClean="0">
-                <a:solidFill>
-                  <a:schemeClr val="bg1"/>
-                </a:solidFill>
-              </a:rPr>
-              <a:t>En la </a:t>
-            </a:r>
-            <a:r>
-              <a:rPr lang="en" b="1" i="1" dirty="0" smtClean="0">
-                <a:solidFill>
-                  <a:schemeClr val="bg1"/>
-                </a:solidFill>
-              </a:rPr>
-              <a:t>NOM-035-STPS-2018</a:t>
-            </a:r>
-            <a:r>
-              <a:rPr lang="es-ES" dirty="0" smtClean="0">
-                <a:solidFill>
-                  <a:schemeClr val="bg1"/>
-                </a:solidFill>
-              </a:rPr>
-              <a:t> se vierten algunas sugerencias sobre la identificación y el tratamiento de los FRP en vías de promover un entorno laboral favorable.</a:t>
-            </a:r>
-            <a:endParaRPr lang="es-ES" sz="2400" dirty="0" smtClean="0">
-              <a:solidFill>
-                <a:schemeClr val="bg1"/>
-              </a:solidFill>
-              <a:hlinkClick r:id="rId3">
-                <a:extLst>
-                  <a:ext uri="{A12FA001-AC4F-418D-AE19-62706E023703}">
-                    <ahyp:hlinkClr xmlns="" xmlns:ahyp="http://schemas.microsoft.com/office/drawing/2018/hyperlinkcolor" xmlns:lc="http://schemas.openxmlformats.org/drawingml/2006/lockedCanvas" val="tx"/>
-                  </a:ext>
-                </a:extLst>
-              </a:hlinkClick>
-            </a:endParaRPr>
-          </a:p>
-          <a:p>
-            <a:pPr marL="0" indent="0">
-              <a:buNone/>
-            </a:pPr>
-            <a:endParaRPr lang="es-MX" dirty="0"/>
-          </a:p>
-        </p:txBody>
-      </p:sp>
-      <p:sp>
-        <p:nvSpPr>
-          <p:cNvPr id="3" name="Título 2"/>
-          <p:cNvSpPr>
-            <a:spLocks noGrp="1"/>
-          </p:cNvSpPr>
-          <p:nvPr>
-            <p:ph type="title"/>
-          </p:nvPr>
-        </p:nvSpPr>
-        <p:spPr/>
-        <p:txBody>
-          <a:bodyPr>
-            <a:normAutofit fontScale="90000"/>
-          </a:bodyPr>
-          <a:lstStyle/>
-          <a:p>
-            <a:r>
-              <a:rPr lang="es-MX" dirty="0" smtClean="0"/>
-              <a:t/>
-            </a:r>
-            <a:br>
-              <a:rPr lang="es-MX" dirty="0" smtClean="0"/>
-            </a:br>
-            <a:endParaRPr lang="es-MX" dirty="0"/>
-          </a:p>
-        </p:txBody>
-      </p:sp>
-      <p:sp>
-        <p:nvSpPr>
-          <p:cNvPr id="7" name="Marcador de contenido 2"/>
-          <p:cNvSpPr txBox="1">
-            <a:spLocks/>
-          </p:cNvSpPr>
-          <p:nvPr/>
-        </p:nvSpPr>
-        <p:spPr>
-          <a:xfrm>
-            <a:off x="381000" y="1581150"/>
-            <a:ext cx="8229600" cy="2632472"/>
-          </a:xfrm>
-          <a:prstGeom prst="rect">
-            <a:avLst/>
-          </a:prstGeom>
-        </p:spPr>
-        <p:txBody>
-          <a:bodyPr vert="horz" lIns="91440" tIns="45720" rIns="91440" bIns="45720" rtlCol="0">
-            <a:normAutofit fontScale="85000" lnSpcReduction="20000"/>
-          </a:bodyPr>
-          <a:lstStyle>
-            <a:lvl1pPr marL="342900" indent="-342900" algn="l" defTabSz="914400" rtl="0" eaLnBrk="1" latinLnBrk="0" hangingPunct="1">
-              <a:spcBef>
-                <a:spcPct val="20000"/>
-              </a:spcBef>
-              <a:buFont typeface="Arial" panose="020B0604020202020204" pitchFamily="34" charset="0"/>
-              <a:buChar char="•"/>
-              <a:defRPr sz="3200" kern="1200">
-                <a:solidFill>
-                  <a:schemeClr val="tx1"/>
-                </a:solidFill>
-                <a:latin typeface="+mn-lt"/>
-                <a:ea typeface="+mn-ea"/>
-                <a:cs typeface="+mn-cs"/>
-              </a:defRPr>
-            </a:lvl1pPr>
-            <a:lvl2pPr marL="742950" indent="-285750" algn="l" defTabSz="914400" rtl="0" eaLnBrk="1" latinLnBrk="0" hangingPunct="1">
-              <a:spcBef>
-                <a:spcPct val="20000"/>
-              </a:spcBef>
-              <a:buFont typeface="Arial" panose="020B0604020202020204" pitchFamily="34" charset="0"/>
-              <a:buChar char="–"/>
-              <a:defRPr sz="2800" kern="1200">
-                <a:solidFill>
-                  <a:schemeClr val="tx1"/>
-                </a:solidFill>
-                <a:latin typeface="+mn-lt"/>
-                <a:ea typeface="+mn-ea"/>
-                <a:cs typeface="+mn-cs"/>
-              </a:defRPr>
-            </a:lvl2pPr>
-            <a:lvl3pPr marL="1143000" indent="-228600" algn="l" defTabSz="914400" rtl="0" eaLnBrk="1" latinLnBrk="0" hangingPunct="1">
-              <a:spcBef>
-                <a:spcPct val="20000"/>
-              </a:spcBef>
-              <a:buFont typeface="Arial" panose="020B0604020202020204" pitchFamily="34" charset="0"/>
-              <a:buChar char="•"/>
-              <a:defRPr sz="2400" kern="1200">
-                <a:solidFill>
-                  <a:schemeClr val="tx1"/>
-                </a:solidFill>
-                <a:latin typeface="+mn-lt"/>
-                <a:ea typeface="+mn-ea"/>
-                <a:cs typeface="+mn-cs"/>
-              </a:defRPr>
-            </a:lvl3pPr>
-            <a:lvl4pPr marL="1600200" indent="-228600" algn="l" defTabSz="914400" rtl="0" eaLnBrk="1" latinLnBrk="0" hangingPunct="1">
-              <a:spcBef>
-                <a:spcPct val="20000"/>
-              </a:spcBef>
-              <a:buFont typeface="Arial" panose="020B0604020202020204" pitchFamily="34" charset="0"/>
-              <a:buChar char="–"/>
-              <a:defRPr sz="2000" kern="1200">
-                <a:solidFill>
-                  <a:schemeClr val="tx1"/>
-                </a:solidFill>
-                <a:latin typeface="+mn-lt"/>
-                <a:ea typeface="+mn-ea"/>
-                <a:cs typeface="+mn-cs"/>
-              </a:defRPr>
-            </a:lvl4pPr>
-            <a:lvl5pPr marL="2057400" indent="-228600" algn="l" defTabSz="914400" rtl="0" eaLnBrk="1" latinLnBrk="0" hangingPunct="1">
-              <a:spcBef>
-                <a:spcPct val="20000"/>
-              </a:spcBef>
-              <a:buFont typeface="Arial" panose="020B0604020202020204" pitchFamily="34" charset="0"/>
-              <a:buChar char="»"/>
-              <a:defRPr sz="2000" kern="1200">
-                <a:solidFill>
-                  <a:schemeClr val="tx1"/>
-                </a:solidFill>
-                <a:latin typeface="+mn-lt"/>
-                <a:ea typeface="+mn-ea"/>
-                <a:cs typeface="+mn-cs"/>
-              </a:defRPr>
-            </a:lvl5pPr>
-            <a:lvl6pPr marL="2514600" indent="-228600" algn="l" defTabSz="914400" rtl="0" eaLnBrk="1" latinLnBrk="0" hangingPunct="1">
-              <a:spcBef>
-                <a:spcPct val="20000"/>
-              </a:spcBef>
-              <a:buFont typeface="Arial" panose="020B0604020202020204" pitchFamily="34" charset="0"/>
-              <a:buChar char="•"/>
-              <a:defRPr sz="2000" kern="1200">
-                <a:solidFill>
-                  <a:schemeClr val="tx1"/>
-                </a:solidFill>
-                <a:latin typeface="+mn-lt"/>
-                <a:ea typeface="+mn-ea"/>
-                <a:cs typeface="+mn-cs"/>
-              </a:defRPr>
-            </a:lvl6pPr>
-            <a:lvl7pPr marL="2971800" indent="-228600" algn="l" defTabSz="914400" rtl="0" eaLnBrk="1" latinLnBrk="0" hangingPunct="1">
-              <a:spcBef>
-                <a:spcPct val="20000"/>
-              </a:spcBef>
-              <a:buFont typeface="Arial" panose="020B0604020202020204" pitchFamily="34" charset="0"/>
-              <a:buChar char="•"/>
-              <a:defRPr sz="2000" kern="1200">
-                <a:solidFill>
-                  <a:schemeClr val="tx1"/>
-                </a:solidFill>
-                <a:latin typeface="+mn-lt"/>
-                <a:ea typeface="+mn-ea"/>
-                <a:cs typeface="+mn-cs"/>
-              </a:defRPr>
-            </a:lvl7pPr>
-            <a:lvl8pPr marL="3429000" indent="-228600" algn="l" defTabSz="914400" rtl="0" eaLnBrk="1" latinLnBrk="0" hangingPunct="1">
-              <a:spcBef>
-                <a:spcPct val="20000"/>
-              </a:spcBef>
-              <a:buFont typeface="Arial" panose="020B0604020202020204" pitchFamily="34" charset="0"/>
-              <a:buChar char="•"/>
-              <a:defRPr sz="2000" kern="1200">
-                <a:solidFill>
-                  <a:schemeClr val="tx1"/>
-                </a:solidFill>
-                <a:latin typeface="+mn-lt"/>
-                <a:ea typeface="+mn-ea"/>
-                <a:cs typeface="+mn-cs"/>
-              </a:defRPr>
-            </a:lvl8pPr>
-            <a:lvl9pPr marL="3886200" indent="-228600" algn="l" defTabSz="914400" rtl="0" eaLnBrk="1" latinLnBrk="0" hangingPunct="1">
-              <a:spcBef>
-                <a:spcPct val="20000"/>
-              </a:spcBef>
-              <a:buFont typeface="Arial" panose="020B0604020202020204" pitchFamily="34" charset="0"/>
-              <a:buChar char="•"/>
-              <a:defRPr sz="2000" kern="1200">
-                <a:solidFill>
-                  <a:schemeClr val="tx1"/>
-                </a:solidFill>
-                <a:latin typeface="+mn-lt"/>
-                <a:ea typeface="+mn-ea"/>
-                <a:cs typeface="+mn-cs"/>
-              </a:defRPr>
-            </a:lvl9pPr>
-          </a:lstStyle>
-          <a:p>
-            <a:pPr marL="19050" indent="0" algn="just">
-              <a:buFont typeface="Arial" panose="020B0604020202020204" pitchFamily="34" charset="0"/>
-              <a:buNone/>
-            </a:pPr>
-            <a:r>
-              <a:rPr lang="es-MX" b="1" smtClean="0">
-                <a:solidFill>
-                  <a:schemeClr val="tx2"/>
-                </a:solidFill>
-              </a:rPr>
-              <a:t>Vigencia del dictámen:</a:t>
-            </a:r>
-          </a:p>
-          <a:p>
-            <a:pPr marL="19050" indent="0" algn="just">
-              <a:buFont typeface="Arial" panose="020B0604020202020204" pitchFamily="34" charset="0"/>
-              <a:buNone/>
-            </a:pPr>
-            <a:r>
-              <a:rPr lang="es-MX" b="1" smtClean="0">
-                <a:solidFill>
-                  <a:schemeClr val="tx2"/>
-                </a:solidFill>
-                <a:effectLst>
-                  <a:outerShdw blurRad="38100" dist="38100" dir="2700000" algn="tl">
-                    <a:srgbClr val="000000">
-                      <a:alpha val="43137"/>
-                    </a:srgbClr>
-                  </a:outerShdw>
-                </a:effectLst>
-              </a:rPr>
-              <a:t>						</a:t>
-            </a:r>
-            <a:r>
-              <a:rPr lang="es-MX" b="1" u="sng" smtClean="0">
-                <a:solidFill>
-                  <a:schemeClr val="tx2"/>
-                </a:solidFill>
-                <a:effectLst>
-                  <a:outerShdw blurRad="38100" dist="38100" dir="2700000" algn="tl">
-                    <a:srgbClr val="000000">
-                      <a:alpha val="43137"/>
-                    </a:srgbClr>
-                  </a:outerShdw>
-                </a:effectLst>
-              </a:rPr>
-              <a:t>Dos años*</a:t>
-            </a:r>
-          </a:p>
-          <a:p>
-            <a:pPr marL="19050" indent="0" algn="just">
-              <a:buFont typeface="Arial" panose="020B0604020202020204" pitchFamily="34" charset="0"/>
-              <a:buNone/>
-            </a:pPr>
-            <a:endParaRPr lang="es-MX" b="1" u="sng" smtClean="0">
-              <a:solidFill>
-                <a:schemeClr val="tx2"/>
-              </a:solidFill>
-              <a:effectLst>
-                <a:outerShdw blurRad="38100" dist="38100" dir="2700000" algn="tl">
-                  <a:srgbClr val="000000">
-                    <a:alpha val="43137"/>
-                  </a:srgbClr>
-                </a:outerShdw>
-              </a:effectLst>
-            </a:endParaRPr>
-          </a:p>
-          <a:p>
-            <a:pPr marL="19050" indent="0" algn="just">
-              <a:buFont typeface="Arial" panose="020B0604020202020204" pitchFamily="34" charset="0"/>
-              <a:buNone/>
-            </a:pPr>
-            <a:endParaRPr lang="es-MX" b="1" u="sng" smtClean="0">
-              <a:solidFill>
-                <a:schemeClr val="tx2"/>
-              </a:solidFill>
-              <a:effectLst>
-                <a:outerShdw blurRad="38100" dist="38100" dir="2700000" algn="tl">
-                  <a:srgbClr val="000000">
-                    <a:alpha val="43137"/>
-                  </a:srgbClr>
-                </a:outerShdw>
-              </a:effectLst>
-            </a:endParaRPr>
-          </a:p>
-          <a:p>
-            <a:pPr marL="19050" indent="0" algn="just">
-              <a:buFont typeface="Arial" panose="020B0604020202020204" pitchFamily="34" charset="0"/>
-              <a:buNone/>
-            </a:pPr>
-            <a:r>
-              <a:rPr lang="es-MX" smtClean="0">
-                <a:solidFill>
-                  <a:schemeClr val="tx2"/>
-                </a:solidFill>
-              </a:rPr>
-              <a:t>*Siempre y cuando no sean modificadas las condiciones que sirvieron para su emisión.</a:t>
-            </a:r>
-            <a:endParaRPr lang="es-MX" dirty="0">
-              <a:solidFill>
-                <a:schemeClr val="tx2"/>
-              </a:solidFill>
-            </a:endParaRPr>
-          </a:p>
-        </p:txBody>
-      </p:sp>
-      <p:sp>
-        <p:nvSpPr>
-          <p:cNvPr id="8" name="Título 1"/>
-          <p:cNvSpPr txBox="1">
-            <a:spLocks/>
-          </p:cNvSpPr>
-          <p:nvPr/>
-        </p:nvSpPr>
-        <p:spPr>
-          <a:xfrm>
-            <a:off x="609600" y="205979"/>
-            <a:ext cx="8229600" cy="857250"/>
-          </a:xfrm>
-          <a:prstGeom prst="rect">
-            <a:avLst/>
-          </a:prstGeom>
-        </p:spPr>
-        <p:txBody>
-          <a:bodyPr vert="horz" lIns="91440" tIns="45720" rIns="91440" bIns="45720" rtlCol="0" anchor="ctr">
-            <a:normAutofit/>
-          </a:bodyPr>
-          <a:lstStyle>
-            <a:lvl1pPr algn="ctr" defTabSz="914400" rtl="0" eaLnBrk="1" latinLnBrk="0" hangingPunct="1">
-              <a:spcBef>
-                <a:spcPct val="0"/>
-              </a:spcBef>
-              <a:buNone/>
-              <a:defRPr sz="4400" kern="1200">
-                <a:solidFill>
-                  <a:schemeClr val="tx1"/>
-                </a:solidFill>
-                <a:latin typeface="+mj-lt"/>
-                <a:ea typeface="+mj-ea"/>
-                <a:cs typeface="+mj-cs"/>
-              </a:defRPr>
-            </a:lvl1pPr>
-          </a:lstStyle>
-          <a:p>
-            <a:r>
-              <a:rPr lang="es-MX" dirty="0" smtClean="0"/>
-              <a:t>Dictamen de acreditación</a:t>
-            </a:r>
-            <a:endParaRPr lang="es-MX" dirty="0"/>
-          </a:p>
-        </p:txBody>
-      </p:sp>
-    </p:spTree>
-    <p:extLst>
-      <p:ext uri="{BB962C8B-B14F-4D97-AF65-F5344CB8AC3E}">
-        <p14:creationId xmlns:p14="http://schemas.microsoft.com/office/powerpoint/2010/main" val="29082569"/>
-      </p:ext>
-    </p:extLst>
-  </p:cSld>
-  <p:clrMapOvr>
-    <a:masterClrMapping/>
-  </p:clrMapOvr>
-  <p:timing>
-    <p:tnLst>
-      <p:par>
-        <p:cTn id="1" dur="indefinite" restart="never" nodeType="tmRoot"/>
-      </p:par>
-    </p:tnLst>
-  </p:timing>
-</p:sld>
-</file>
-
-<file path=ppt/slides/slide66.xml><?xml version="1.0" encoding="utf-8"?>
-<p:sld xmlns:a="http://schemas.openxmlformats.org/drawingml/2006/main" xmlns:r="http://schemas.openxmlformats.org/officeDocument/2006/relationships" xmlns:p="http://schemas.openxmlformats.org/presentationml/2006/main">
-  <p:cSld>
-    <p:bg>
-      <p:bgPr>
-        <a:blipFill dpi="0" rotWithShape="1">
-          <a:blip r:embed="rId2">
-            <a:lum/>
-          </a:blip>
-          <a:srcRect/>
-          <a:stretch>
-            <a:fillRect/>
-          </a:stretch>
-        </a:blipFill>
-        <a:effectLst/>
-      </p:bgPr>
-    </p:bg>
-    <p:spTree>
-      <p:nvGrpSpPr>
-        <p:cNvPr id="1" name=""/>
-        <p:cNvGrpSpPr/>
-        <p:nvPr/>
-      </p:nvGrpSpPr>
-      <p:grpSpPr>
-        <a:xfrm>
-          <a:off x="0" y="0"/>
-          <a:ext cx="0" cy="0"/>
-          <a:chOff x="0" y="0"/>
-          <a:chExt cx="0" cy="0"/>
-        </a:xfrm>
-      </p:grpSpPr>
-    </p:spTree>
-    <p:extLst>
-      <p:ext uri="{BB962C8B-B14F-4D97-AF65-F5344CB8AC3E}">
-        <p14:creationId xmlns:p14="http://schemas.microsoft.com/office/powerpoint/2010/main" val="1011474152"/>
-      </p:ext>
-    </p:extLst>
-  </p:cSld>
-  <p:clrMapOvr>
-    <a:masterClrMapping/>
-  </p:clrMapOvr>
-  <p:timing>
-    <p:tnLst>
-      <p:par>
-        <p:cTn id="1" dur="indefinite" restart="never" nodeType="tmRoot"/>
-      </p:par>
-    </p:tnLst>
-  </p:timing>
 </p:sld>
 </file>
 
